--- a/[IT18掌www.it18zhang.com]Sqoop.pptx
+++ b/[IT18掌www.it18zhang.com]Sqoop.pptx
@@ -5,7 +5,7 @@
     <p:sldMasterId id="2147483663" r:id="rId1"/>
   </p:sldMasterIdLst>
   <p:notesMasterIdLst>
-    <p:notesMasterId r:id="rId65"/>
+    <p:notesMasterId r:id="rId78"/>
   </p:notesMasterIdLst>
   <p:sldIdLst>
     <p:sldId id="261" r:id="rId2"/>
@@ -57,20 +57,33 @@
     <p:sldId id="323" r:id="rId48"/>
     <p:sldId id="324" r:id="rId49"/>
     <p:sldId id="325" r:id="rId50"/>
-    <p:sldId id="288" r:id="rId51"/>
-    <p:sldId id="289" r:id="rId52"/>
-    <p:sldId id="290" r:id="rId53"/>
-    <p:sldId id="291" r:id="rId54"/>
-    <p:sldId id="314" r:id="rId55"/>
-    <p:sldId id="315" r:id="rId56"/>
-    <p:sldId id="316" r:id="rId57"/>
-    <p:sldId id="292" r:id="rId58"/>
-    <p:sldId id="293" r:id="rId59"/>
-    <p:sldId id="294" r:id="rId60"/>
-    <p:sldId id="295" r:id="rId61"/>
-    <p:sldId id="296" r:id="rId62"/>
-    <p:sldId id="297" r:id="rId63"/>
-    <p:sldId id="298" r:id="rId64"/>
+    <p:sldId id="329" r:id="rId51"/>
+    <p:sldId id="330" r:id="rId52"/>
+    <p:sldId id="331" r:id="rId53"/>
+    <p:sldId id="326" r:id="rId54"/>
+    <p:sldId id="327" r:id="rId55"/>
+    <p:sldId id="288" r:id="rId56"/>
+    <p:sldId id="289" r:id="rId57"/>
+    <p:sldId id="290" r:id="rId58"/>
+    <p:sldId id="291" r:id="rId59"/>
+    <p:sldId id="314" r:id="rId60"/>
+    <p:sldId id="315" r:id="rId61"/>
+    <p:sldId id="316" r:id="rId62"/>
+    <p:sldId id="292" r:id="rId63"/>
+    <p:sldId id="293" r:id="rId64"/>
+    <p:sldId id="294" r:id="rId65"/>
+    <p:sldId id="295" r:id="rId66"/>
+    <p:sldId id="296" r:id="rId67"/>
+    <p:sldId id="297" r:id="rId68"/>
+    <p:sldId id="298" r:id="rId69"/>
+    <p:sldId id="332" r:id="rId70"/>
+    <p:sldId id="334" r:id="rId71"/>
+    <p:sldId id="335" r:id="rId72"/>
+    <p:sldId id="344" r:id="rId73"/>
+    <p:sldId id="336" r:id="rId74"/>
+    <p:sldId id="333" r:id="rId75"/>
+    <p:sldId id="339" r:id="rId76"/>
+    <p:sldId id="340" r:id="rId77"/>
   </p:sldIdLst>
   <p:sldSz cx="9144000" cy="6858000" type="screen4x3"/>
   <p:notesSz cx="6858000" cy="9144000"/>
@@ -254,7 +267,7 @@
           <a:p>
             <a:fld id="{0928FEF9-167E-479C-9D1C-C0CF94BC63D4}" type="datetimeFigureOut">
               <a:rPr lang="zh-CN" altLang="en-US" smtClean="0"/>
-              <a:t>2016/3/24</a:t>
+              <a:t>2016/3/26</a:t>
             </a:fld>
             <a:endParaRPr lang="zh-CN" altLang="en-US"/>
           </a:p>
@@ -1359,7 +1372,7 @@
           <a:p>
             <a:fld id="{EE2F1B44-6939-4B22-B706-197F24F6500B}" type="slidenum">
               <a:rPr lang="zh-CN" altLang="en-US" smtClean="0"/>
-              <a:t>50</a:t>
+              <a:t>55</a:t>
             </a:fld>
             <a:endParaRPr lang="zh-CN" altLang="en-US"/>
           </a:p>
@@ -8593,11 +8606,7 @@
             </a:r>
             <a:r>
               <a:rPr lang="en-US" altLang="zh-CN" sz="2800" dirty="0"/>
-              <a:t> </a:t>
-            </a:r>
-            <a:r>
-              <a:rPr lang="en-US" altLang="zh-CN" sz="2800" dirty="0"/>
-              <a:t>--</a:t>
+              <a:t> --</a:t>
             </a:r>
             <a:r>
               <a:rPr lang="en-US" altLang="zh-CN" sz="2800" dirty="0" err="1" smtClean="0"/>
@@ -9029,11 +9038,7 @@
             </a:r>
             <a:r>
               <a:rPr lang="zh-CN" altLang="en-US" sz="2800" dirty="0" smtClean="0"/>
-              <a:t>是</a:t>
-            </a:r>
-            <a:r>
-              <a:rPr lang="zh-CN" altLang="en-US" sz="2800" dirty="0" smtClean="0"/>
-              <a:t>一种仅导入新增行的技术</a:t>
+              <a:t>是一种仅导入新增行的技术</a:t>
             </a:r>
             <a:endParaRPr lang="en-US" altLang="zh-CN" sz="2800" dirty="0" smtClean="0"/>
           </a:p>
@@ -12234,7 +12239,133 @@
           <a:bodyPr/>
           <a:lstStyle/>
           <a:p>
-            <a:endParaRPr lang="zh-CN" altLang="en-US" sz="2800" dirty="0"/>
+            <a:r>
+              <a:rPr lang="en-US" altLang="zh-CN" sz="2800" dirty="0" smtClean="0"/>
+              <a:t>All-or-Nothing</a:t>
+            </a:r>
+            <a:endParaRPr lang="en-US" altLang="zh-CN" sz="2800" dirty="0"/>
+          </a:p>
+          <a:p>
+            <a:pPr marL="457200" lvl="1" indent="0">
+              <a:buNone/>
+            </a:pPr>
+            <a:r>
+              <a:rPr lang="zh-CN" altLang="en-US" sz="2400" dirty="0" smtClean="0"/>
+              <a:t>使用临时工作表</a:t>
+            </a:r>
+            <a:r>
+              <a:rPr lang="en-US" altLang="zh-CN" sz="2400" dirty="0"/>
+              <a:t>--</a:t>
+            </a:r>
+            <a:r>
+              <a:rPr lang="en-US" altLang="zh-CN" sz="2400" dirty="0" smtClean="0"/>
+              <a:t>staging-table</a:t>
+            </a:r>
+          </a:p>
+          <a:p>
+            <a:pPr marL="457200" lvl="1" indent="0">
+              <a:buNone/>
+            </a:pPr>
+            <a:endParaRPr lang="en-US" altLang="zh-CN" sz="2200" dirty="0" smtClean="0"/>
+          </a:p>
+          <a:p>
+            <a:pPr marL="457200" lvl="1" indent="0">
+              <a:buNone/>
+            </a:pPr>
+            <a:r>
+              <a:rPr lang="en-US" altLang="zh-CN" sz="2200" dirty="0" err="1" smtClean="0"/>
+              <a:t>sqoop</a:t>
+            </a:r>
+            <a:r>
+              <a:rPr lang="en-US" altLang="zh-CN" sz="2200" dirty="0" smtClean="0"/>
+              <a:t> </a:t>
+            </a:r>
+            <a:r>
+              <a:rPr lang="en-US" altLang="zh-CN" sz="2200" dirty="0"/>
+              <a:t>export \</a:t>
+            </a:r>
+          </a:p>
+          <a:p>
+            <a:pPr marL="457200" lvl="1" indent="0">
+              <a:buNone/>
+            </a:pPr>
+            <a:r>
+              <a:rPr lang="en-US" altLang="zh-CN" sz="2200" dirty="0"/>
+              <a:t>--connect </a:t>
+            </a:r>
+            <a:r>
+              <a:rPr lang="en-US" altLang="zh-CN" sz="2200" dirty="0" err="1"/>
+              <a:t>jdbc:mysql</a:t>
+            </a:r>
+            <a:r>
+              <a:rPr lang="en-US" altLang="zh-CN" sz="2200" dirty="0"/>
+              <a:t>://mysql.example.com/</a:t>
+            </a:r>
+            <a:r>
+              <a:rPr lang="en-US" altLang="zh-CN" sz="2200" dirty="0" err="1"/>
+              <a:t>sqoop</a:t>
+            </a:r>
+            <a:r>
+              <a:rPr lang="en-US" altLang="zh-CN" sz="2200" dirty="0"/>
+              <a:t> \</a:t>
+            </a:r>
+          </a:p>
+          <a:p>
+            <a:pPr marL="457200" lvl="1" indent="0">
+              <a:buNone/>
+            </a:pPr>
+            <a:r>
+              <a:rPr lang="en-US" altLang="zh-CN" sz="2200" dirty="0"/>
+              <a:t>--username </a:t>
+            </a:r>
+            <a:r>
+              <a:rPr lang="en-US" altLang="zh-CN" sz="2200" dirty="0" err="1"/>
+              <a:t>sqoop</a:t>
+            </a:r>
+            <a:r>
+              <a:rPr lang="en-US" altLang="zh-CN" sz="2200" dirty="0"/>
+              <a:t> \</a:t>
+            </a:r>
+          </a:p>
+          <a:p>
+            <a:pPr marL="457200" lvl="1" indent="0">
+              <a:buNone/>
+            </a:pPr>
+            <a:r>
+              <a:rPr lang="en-US" altLang="zh-CN" sz="2200" dirty="0"/>
+              <a:t>--password </a:t>
+            </a:r>
+            <a:r>
+              <a:rPr lang="en-US" altLang="zh-CN" sz="2200" dirty="0" err="1"/>
+              <a:t>sqoop</a:t>
+            </a:r>
+            <a:r>
+              <a:rPr lang="en-US" altLang="zh-CN" sz="2200" dirty="0"/>
+              <a:t> \</a:t>
+            </a:r>
+          </a:p>
+          <a:p>
+            <a:pPr marL="457200" lvl="1" indent="0">
+              <a:buNone/>
+            </a:pPr>
+            <a:r>
+              <a:rPr lang="en-US" altLang="zh-CN" sz="2200" dirty="0"/>
+              <a:t>--table cities \</a:t>
+            </a:r>
+          </a:p>
+          <a:p>
+            <a:pPr marL="457200" lvl="1" indent="0">
+              <a:buNone/>
+            </a:pPr>
+            <a:r>
+              <a:rPr lang="en-US" altLang="zh-CN" sz="2200" b="1" dirty="0"/>
+              <a:t>--staging-table </a:t>
+            </a:r>
+            <a:r>
+              <a:rPr lang="en-US" altLang="zh-CN" sz="2200" dirty="0" err="1"/>
+              <a:t>staging_cities</a:t>
+            </a:r>
+            <a:endParaRPr lang="zh-CN" altLang="en-US" sz="2200" dirty="0"/>
           </a:p>
         </p:txBody>
       </p:sp>
@@ -12624,139 +12755,61 @@
           <a:lstStyle/>
           <a:p>
             <a:r>
-              <a:rPr lang="en-US" altLang="zh-CN" sz="2800" dirty="0" err="1" smtClean="0"/>
-              <a:t>Sqoop</a:t>
-            </a:r>
-            <a:r>
-              <a:rPr lang="en-US" altLang="zh-CN" sz="2800" dirty="0" smtClean="0"/>
-              <a:t> job</a:t>
-            </a:r>
-            <a:r>
               <a:rPr lang="zh-CN" altLang="en-US" sz="2800" dirty="0" smtClean="0"/>
-              <a:t>创建和保存</a:t>
-            </a:r>
-            <a:r>
-              <a:rPr lang="en-US" altLang="zh-CN" sz="2800" dirty="0" err="1" smtClean="0"/>
-              <a:t>import&amp;export</a:t>
-            </a:r>
-            <a:r>
-              <a:rPr lang="zh-CN" altLang="en-US" sz="2800" dirty="0" smtClean="0"/>
-              <a:t>命令。</a:t>
+              <a:t>更新现有数据集</a:t>
             </a:r>
             <a:endParaRPr lang="en-US" altLang="zh-CN" sz="2800" dirty="0" smtClean="0"/>
           </a:p>
           <a:p>
-            <a:pPr lvl="1"/>
+            <a:pPr marL="457200" lvl="1" indent="0">
+              <a:buNone/>
+            </a:pPr>
             <a:r>
               <a:rPr lang="zh-CN" altLang="en-US" sz="2400" dirty="0" smtClean="0"/>
-              <a:t>通过参数来识别和重新执行保存的</a:t>
+              <a:t>使用</a:t>
+            </a:r>
+            <a:r>
+              <a:rPr lang="en-US" altLang="zh-CN" sz="2400" dirty="0"/>
+              <a:t>--</a:t>
             </a:r>
             <a:r>
               <a:rPr lang="en-US" altLang="zh-CN" sz="2400" dirty="0" smtClean="0"/>
-              <a:t>job</a:t>
+              <a:t>update-key</a:t>
             </a:r>
             <a:r>
               <a:rPr lang="zh-CN" altLang="en-US" sz="2400" dirty="0" smtClean="0"/>
-              <a:t>。</a:t>
+              <a:t>，通常根据主键更新</a:t>
             </a:r>
             <a:endParaRPr lang="en-US" altLang="zh-CN" sz="2400" dirty="0" smtClean="0"/>
           </a:p>
           <a:p>
-            <a:pPr lvl="1"/>
-            <a:r>
-              <a:rPr lang="en-US" altLang="zh-CN" sz="2400" dirty="0" smtClean="0"/>
-              <a:t>re-calling/re-executing</a:t>
-            </a:r>
-            <a:r>
-              <a:rPr lang="zh-CN" altLang="en-US" sz="2400" dirty="0" smtClean="0"/>
-              <a:t>重新执行</a:t>
-            </a:r>
-            <a:r>
-              <a:rPr lang="en-US" altLang="zh-CN" sz="2400" dirty="0"/>
-              <a:t>incremental </a:t>
-            </a:r>
-            <a:r>
-              <a:rPr lang="en-US" altLang="zh-CN" sz="2400" dirty="0" smtClean="0"/>
-              <a:t>import</a:t>
-            </a:r>
-            <a:r>
-              <a:rPr lang="zh-CN" altLang="en-US" sz="2400" dirty="0" smtClean="0"/>
-              <a:t>。</a:t>
-            </a:r>
-            <a:endParaRPr lang="en-US" altLang="zh-CN" sz="2400" dirty="0"/>
-          </a:p>
-          <a:p>
-            <a:r>
-              <a:rPr lang="zh-CN" altLang="en-US" sz="2800" dirty="0" smtClean="0"/>
-              <a:t>语法：</a:t>
-            </a:r>
-            <a:endParaRPr lang="en-US" altLang="zh-CN" sz="2800" dirty="0" smtClean="0"/>
-          </a:p>
-          <a:p>
-            <a:pPr marL="457200" lvl="1" indent="0">
-              <a:buNone/>
-            </a:pPr>
-            <a:r>
-              <a:rPr lang="en-US" altLang="zh-CN" sz="2400" dirty="0"/>
-              <a:t>$ </a:t>
-            </a:r>
+            <a:pPr marL="457200" lvl="1" indent="0">
+              <a:buNone/>
+            </a:pPr>
             <a:r>
               <a:rPr lang="en-US" altLang="zh-CN" sz="2400" dirty="0" err="1"/>
               <a:t>sqoop</a:t>
             </a:r>
             <a:r>
               <a:rPr lang="en-US" altLang="zh-CN" sz="2400" dirty="0"/>
-              <a:t> job (generic-</a:t>
+              <a:t> export \</a:t>
+            </a:r>
+          </a:p>
+          <a:p>
+            <a:pPr marL="457200" lvl="1" indent="0">
+              <a:buNone/>
+            </a:pPr>
+            <a:r>
+              <a:rPr lang="en-US" altLang="zh-CN" sz="2400" dirty="0"/>
+              <a:t>--connect </a:t>
             </a:r>
             <a:r>
               <a:rPr lang="en-US" altLang="zh-CN" sz="2400" dirty="0" err="1"/>
-              <a:t>args</a:t>
-            </a:r>
-            <a:r>
-              <a:rPr lang="en-US" altLang="zh-CN" sz="2400" dirty="0"/>
-              <a:t>) (job-</a:t>
-            </a:r>
-            <a:r>
-              <a:rPr lang="en-US" altLang="zh-CN" sz="2400" dirty="0" err="1"/>
-              <a:t>args</a:t>
-            </a:r>
-            <a:r>
-              <a:rPr lang="en-US" altLang="zh-CN" sz="2400" dirty="0"/>
-              <a:t>)</a:t>
-            </a:r>
-          </a:p>
-          <a:p>
-            <a:pPr marL="457200" lvl="1" indent="0">
-              <a:buNone/>
-            </a:pPr>
-            <a:r>
-              <a:rPr lang="en-US" altLang="zh-CN" sz="2400" dirty="0"/>
-              <a:t>[-- [</a:t>
-            </a:r>
-            <a:r>
-              <a:rPr lang="en-US" altLang="zh-CN" sz="2400" dirty="0" err="1"/>
-              <a:t>subtool</a:t>
-            </a:r>
-            <a:r>
-              <a:rPr lang="en-US" altLang="zh-CN" sz="2400" dirty="0"/>
-              <a:t>-name] (</a:t>
-            </a:r>
-            <a:r>
-              <a:rPr lang="en-US" altLang="zh-CN" sz="2400" dirty="0" err="1"/>
-              <a:t>subtool-args</a:t>
-            </a:r>
-            <a:r>
-              <a:rPr lang="en-US" altLang="zh-CN" sz="2400" dirty="0"/>
-              <a:t>)]</a:t>
-            </a:r>
-          </a:p>
-          <a:p>
-            <a:pPr marL="457200" lvl="1" indent="0">
-              <a:buNone/>
-            </a:pPr>
-            <a:r>
-              <a:rPr lang="en-US" altLang="zh-CN" sz="2400" dirty="0"/>
-              <a:t>$ </a:t>
+              <a:t>jdbc:mysql</a:t>
+            </a:r>
+            <a:r>
+              <a:rPr lang="en-US" altLang="zh-CN" sz="2400" dirty="0"/>
+              <a:t>://mysql.example.com/</a:t>
             </a:r>
             <a:r>
               <a:rPr lang="en-US" altLang="zh-CN" sz="2400" dirty="0" err="1"/>
@@ -12764,49 +12817,65 @@
             </a:r>
             <a:r>
               <a:rPr lang="en-US" altLang="zh-CN" sz="2400" dirty="0"/>
-              <a:t>-job (generic-</a:t>
+              <a:t> \</a:t>
+            </a:r>
+          </a:p>
+          <a:p>
+            <a:pPr marL="457200" lvl="1" indent="0">
+              <a:buNone/>
+            </a:pPr>
+            <a:r>
+              <a:rPr lang="en-US" altLang="zh-CN" sz="2400" dirty="0"/>
+              <a:t>--username </a:t>
             </a:r>
             <a:r>
               <a:rPr lang="en-US" altLang="zh-CN" sz="2400" dirty="0" err="1"/>
-              <a:t>args</a:t>
-            </a:r>
-            <a:r>
-              <a:rPr lang="en-US" altLang="zh-CN" sz="2400" dirty="0"/>
-              <a:t>) (job-</a:t>
+              <a:t>sqoop</a:t>
+            </a:r>
+            <a:r>
+              <a:rPr lang="en-US" altLang="zh-CN" sz="2400" dirty="0"/>
+              <a:t> \</a:t>
+            </a:r>
+          </a:p>
+          <a:p>
+            <a:pPr marL="457200" lvl="1" indent="0">
+              <a:buNone/>
+            </a:pPr>
+            <a:r>
+              <a:rPr lang="en-US" altLang="zh-CN" sz="2400" dirty="0"/>
+              <a:t>--password </a:t>
             </a:r>
             <a:r>
               <a:rPr lang="en-US" altLang="zh-CN" sz="2400" dirty="0" err="1"/>
-              <a:t>args</a:t>
-            </a:r>
-            <a:r>
-              <a:rPr lang="en-US" altLang="zh-CN" sz="2400" dirty="0"/>
-              <a:t>)</a:t>
-            </a:r>
-          </a:p>
-          <a:p>
-            <a:pPr marL="457200" lvl="1" indent="0">
-              <a:buNone/>
-            </a:pPr>
-            <a:r>
-              <a:rPr lang="en-US" altLang="zh-CN" sz="2400" dirty="0"/>
-              <a:t>[-- [</a:t>
-            </a:r>
-            <a:r>
-              <a:rPr lang="en-US" altLang="zh-CN" sz="2400" dirty="0" err="1"/>
-              <a:t>subtool</a:t>
-            </a:r>
-            <a:r>
-              <a:rPr lang="en-US" altLang="zh-CN" sz="2400" dirty="0"/>
-              <a:t>-name] (</a:t>
-            </a:r>
-            <a:r>
-              <a:rPr lang="en-US" altLang="zh-CN" sz="2400" dirty="0" err="1"/>
-              <a:t>subtool-args</a:t>
-            </a:r>
-            <a:r>
-              <a:rPr lang="en-US" altLang="zh-CN" sz="2400" dirty="0"/>
-              <a:t>)]</a:t>
-            </a:r>
+              <a:t>sqoop</a:t>
+            </a:r>
+            <a:r>
+              <a:rPr lang="en-US" altLang="zh-CN" sz="2400" dirty="0"/>
+              <a:t> \</a:t>
+            </a:r>
+          </a:p>
+          <a:p>
+            <a:pPr marL="457200" lvl="1" indent="0">
+              <a:buNone/>
+            </a:pPr>
+            <a:r>
+              <a:rPr lang="en-US" altLang="zh-CN" sz="2400" dirty="0"/>
+              <a:t>--table cities \</a:t>
+            </a:r>
+          </a:p>
+          <a:p>
+            <a:pPr marL="457200" lvl="1" indent="0">
+              <a:buNone/>
+            </a:pPr>
+            <a:r>
+              <a:rPr lang="en-US" altLang="zh-CN" sz="2400" b="1" dirty="0"/>
+              <a:t>--update-key</a:t>
+            </a:r>
+            <a:r>
+              <a:rPr lang="en-US" altLang="zh-CN" sz="2400" dirty="0"/>
+              <a:t> id</a:t>
+            </a:r>
+            <a:endParaRPr lang="zh-CN" altLang="en-US" sz="2400" dirty="0"/>
           </a:p>
         </p:txBody>
       </p:sp>
@@ -12826,6 +12895,1075 @@
           <a:lstStyle/>
           <a:p>
             <a:r>
+              <a:rPr lang="en-US" altLang="zh-CN" dirty="0" err="1"/>
+              <a:t>Sqoop</a:t>
+            </a:r>
+            <a:r>
+              <a:rPr lang="en-US" altLang="zh-CN" dirty="0"/>
+              <a:t> EXPORT</a:t>
+            </a:r>
+            <a:endParaRPr lang="zh-CN" altLang="en-US" dirty="0"/>
+          </a:p>
+        </p:txBody>
+      </p:sp>
+    </p:spTree>
+    <p:extLst>
+      <p:ext uri="{BB962C8B-B14F-4D97-AF65-F5344CB8AC3E}">
+        <p14:creationId xmlns:p14="http://schemas.microsoft.com/office/powerpoint/2010/main" val="2953733089"/>
+      </p:ext>
+    </p:extLst>
+  </p:cSld>
+  <p:clrMapOvr>
+    <a:masterClrMapping/>
+  </p:clrMapOvr>
+</p:sld>
+</file>
+
+<file path=ppt/slides/slide51.xml><?xml version="1.0" encoding="utf-8"?>
+<p:sld xmlns:a="http://schemas.openxmlformats.org/drawingml/2006/main" xmlns:r="http://schemas.openxmlformats.org/officeDocument/2006/relationships" xmlns:p="http://schemas.openxmlformats.org/presentationml/2006/main">
+  <p:cSld>
+    <p:spTree>
+      <p:nvGrpSpPr>
+        <p:cNvPr id="1" name=""/>
+        <p:cNvGrpSpPr/>
+        <p:nvPr/>
+      </p:nvGrpSpPr>
+      <p:grpSpPr>
+        <a:xfrm>
+          <a:off x="0" y="0"/>
+          <a:ext cx="0" cy="0"/>
+          <a:chOff x="0" y="0"/>
+          <a:chExt cx="0" cy="0"/>
+        </a:xfrm>
+      </p:grpSpPr>
+      <p:sp>
+        <p:nvSpPr>
+          <p:cNvPr id="2" name="内容占位符 1"/>
+          <p:cNvSpPr>
+            <a:spLocks noGrp="1"/>
+          </p:cNvSpPr>
+          <p:nvPr>
+            <p:ph sz="quarter" idx="10"/>
+          </p:nvPr>
+        </p:nvSpPr>
+        <p:spPr/>
+        <p:txBody>
+          <a:bodyPr/>
+          <a:lstStyle/>
+          <a:p>
+            <a:r>
+              <a:rPr lang="zh-CN" altLang="en-US" sz="2800" dirty="0" smtClean="0"/>
+              <a:t>同时更新和</a:t>
+            </a:r>
+            <a:r>
+              <a:rPr lang="zh-CN" altLang="en-US" sz="2800" dirty="0" smtClean="0"/>
+              <a:t>插入</a:t>
+            </a:r>
+            <a:endParaRPr lang="en-US" altLang="zh-CN" sz="2800" dirty="0" smtClean="0"/>
+          </a:p>
+          <a:p>
+            <a:pPr marL="457200" lvl="1" indent="0">
+              <a:buNone/>
+            </a:pPr>
+            <a:r>
+              <a:rPr lang="zh-CN" altLang="en-US" sz="2400" dirty="0" smtClean="0"/>
+              <a:t>使用</a:t>
+            </a:r>
+            <a:r>
+              <a:rPr lang="en-US" altLang="zh-CN" sz="2400" dirty="0"/>
+              <a:t>--update-mode </a:t>
+            </a:r>
+            <a:r>
+              <a:rPr lang="en-US" altLang="zh-CN" sz="2400" dirty="0" err="1" smtClean="0"/>
+              <a:t>allowinsert</a:t>
+            </a:r>
+            <a:r>
+              <a:rPr lang="zh-CN" altLang="en-US" sz="2400" dirty="0" smtClean="0"/>
+              <a:t>参数，设置更新的同时允许插入</a:t>
+            </a:r>
+            <a:endParaRPr lang="en-US" altLang="zh-CN" sz="2400" dirty="0" smtClean="0"/>
+          </a:p>
+          <a:p>
+            <a:pPr marL="457200" lvl="1" indent="0">
+              <a:buNone/>
+            </a:pPr>
+            <a:endParaRPr lang="en-US" altLang="zh-CN" sz="2200" dirty="0" smtClean="0"/>
+          </a:p>
+          <a:p>
+            <a:pPr marL="457200" lvl="1" indent="0">
+              <a:buNone/>
+            </a:pPr>
+            <a:r>
+              <a:rPr lang="en-US" altLang="zh-CN" sz="2200" dirty="0" err="1" smtClean="0"/>
+              <a:t>sqoop</a:t>
+            </a:r>
+            <a:r>
+              <a:rPr lang="en-US" altLang="zh-CN" sz="2200" dirty="0" smtClean="0"/>
+              <a:t> </a:t>
+            </a:r>
+            <a:r>
+              <a:rPr lang="en-US" altLang="zh-CN" sz="2200" dirty="0"/>
+              <a:t>export \</a:t>
+            </a:r>
+          </a:p>
+          <a:p>
+            <a:pPr marL="457200" lvl="1" indent="0">
+              <a:buNone/>
+            </a:pPr>
+            <a:r>
+              <a:rPr lang="en-US" altLang="zh-CN" sz="2200" dirty="0"/>
+              <a:t>--connect </a:t>
+            </a:r>
+            <a:r>
+              <a:rPr lang="en-US" altLang="zh-CN" sz="2200" dirty="0" err="1"/>
+              <a:t>jdbc:mysql</a:t>
+            </a:r>
+            <a:r>
+              <a:rPr lang="en-US" altLang="zh-CN" sz="2200" dirty="0"/>
+              <a:t>://mysql.example.com/</a:t>
+            </a:r>
+            <a:r>
+              <a:rPr lang="en-US" altLang="zh-CN" sz="2200" dirty="0" err="1"/>
+              <a:t>sqoop</a:t>
+            </a:r>
+            <a:r>
+              <a:rPr lang="en-US" altLang="zh-CN" sz="2200" dirty="0"/>
+              <a:t> \</a:t>
+            </a:r>
+          </a:p>
+          <a:p>
+            <a:pPr marL="457200" lvl="1" indent="0">
+              <a:buNone/>
+            </a:pPr>
+            <a:r>
+              <a:rPr lang="en-US" altLang="zh-CN" sz="2200" dirty="0"/>
+              <a:t>--username </a:t>
+            </a:r>
+            <a:r>
+              <a:rPr lang="en-US" altLang="zh-CN" sz="2200" dirty="0" err="1"/>
+              <a:t>sqoop</a:t>
+            </a:r>
+            <a:r>
+              <a:rPr lang="en-US" altLang="zh-CN" sz="2200" dirty="0"/>
+              <a:t> \</a:t>
+            </a:r>
+          </a:p>
+          <a:p>
+            <a:pPr marL="457200" lvl="1" indent="0">
+              <a:buNone/>
+            </a:pPr>
+            <a:r>
+              <a:rPr lang="en-US" altLang="zh-CN" sz="2200" dirty="0"/>
+              <a:t>--password </a:t>
+            </a:r>
+            <a:r>
+              <a:rPr lang="en-US" altLang="zh-CN" sz="2200" dirty="0" err="1"/>
+              <a:t>sqoop</a:t>
+            </a:r>
+            <a:r>
+              <a:rPr lang="en-US" altLang="zh-CN" sz="2200" dirty="0"/>
+              <a:t> \</a:t>
+            </a:r>
+          </a:p>
+          <a:p>
+            <a:pPr marL="457200" lvl="1" indent="0">
+              <a:buNone/>
+            </a:pPr>
+            <a:r>
+              <a:rPr lang="en-US" altLang="zh-CN" sz="2200" dirty="0"/>
+              <a:t>--table cities \</a:t>
+            </a:r>
+          </a:p>
+          <a:p>
+            <a:pPr marL="457200" lvl="1" indent="0">
+              <a:buNone/>
+            </a:pPr>
+            <a:r>
+              <a:rPr lang="en-US" altLang="zh-CN" sz="2200" dirty="0"/>
+              <a:t>--update-key id \</a:t>
+            </a:r>
+          </a:p>
+          <a:p>
+            <a:pPr marL="457200" lvl="1" indent="0">
+              <a:buNone/>
+            </a:pPr>
+            <a:r>
+              <a:rPr lang="en-US" altLang="zh-CN" sz="2200" dirty="0"/>
+              <a:t>--update-mode </a:t>
+            </a:r>
+            <a:r>
+              <a:rPr lang="en-US" altLang="zh-CN" sz="2200" dirty="0" err="1"/>
+              <a:t>allowinsert</a:t>
+            </a:r>
+            <a:endParaRPr lang="zh-CN" altLang="en-US" sz="2200" dirty="0"/>
+          </a:p>
+        </p:txBody>
+      </p:sp>
+      <p:sp>
+        <p:nvSpPr>
+          <p:cNvPr id="3" name="标题 2"/>
+          <p:cNvSpPr>
+            <a:spLocks noGrp="1"/>
+          </p:cNvSpPr>
+          <p:nvPr>
+            <p:ph type="title"/>
+          </p:nvPr>
+        </p:nvSpPr>
+        <p:spPr/>
+        <p:txBody>
+          <a:bodyPr/>
+          <a:lstStyle/>
+          <a:p>
+            <a:r>
+              <a:rPr lang="en-US" altLang="zh-CN" dirty="0" err="1"/>
+              <a:t>Sqoop</a:t>
+            </a:r>
+            <a:r>
+              <a:rPr lang="en-US" altLang="zh-CN" dirty="0"/>
+              <a:t> EXPORT</a:t>
+            </a:r>
+            <a:endParaRPr lang="zh-CN" altLang="en-US" dirty="0"/>
+          </a:p>
+        </p:txBody>
+      </p:sp>
+    </p:spTree>
+    <p:extLst>
+      <p:ext uri="{BB962C8B-B14F-4D97-AF65-F5344CB8AC3E}">
+        <p14:creationId xmlns:p14="http://schemas.microsoft.com/office/powerpoint/2010/main" val="2953733089"/>
+      </p:ext>
+    </p:extLst>
+  </p:cSld>
+  <p:clrMapOvr>
+    <a:masterClrMapping/>
+  </p:clrMapOvr>
+</p:sld>
+</file>
+
+<file path=ppt/slides/slide52.xml><?xml version="1.0" encoding="utf-8"?>
+<p:sld xmlns:a="http://schemas.openxmlformats.org/drawingml/2006/main" xmlns:r="http://schemas.openxmlformats.org/officeDocument/2006/relationships" xmlns:p="http://schemas.openxmlformats.org/presentationml/2006/main">
+  <p:cSld>
+    <p:spTree>
+      <p:nvGrpSpPr>
+        <p:cNvPr id="1" name=""/>
+        <p:cNvGrpSpPr/>
+        <p:nvPr/>
+      </p:nvGrpSpPr>
+      <p:grpSpPr>
+        <a:xfrm>
+          <a:off x="0" y="0"/>
+          <a:ext cx="0" cy="0"/>
+          <a:chOff x="0" y="0"/>
+          <a:chExt cx="0" cy="0"/>
+        </a:xfrm>
+      </p:grpSpPr>
+      <p:sp>
+        <p:nvSpPr>
+          <p:cNvPr id="2" name="内容占位符 1"/>
+          <p:cNvSpPr>
+            <a:spLocks noGrp="1"/>
+          </p:cNvSpPr>
+          <p:nvPr>
+            <p:ph sz="quarter" idx="10"/>
+          </p:nvPr>
+        </p:nvSpPr>
+        <p:spPr/>
+        <p:txBody>
+          <a:bodyPr/>
+          <a:lstStyle/>
+          <a:p>
+            <a:r>
+              <a:rPr lang="zh-CN" altLang="en-US" sz="2800" dirty="0" smtClean="0"/>
+              <a:t>存储过程 </a:t>
+            </a:r>
+            <a:r>
+              <a:rPr lang="en-US" altLang="zh-CN" sz="2800" dirty="0" smtClean="0"/>
+              <a:t>--call</a:t>
+            </a:r>
+          </a:p>
+          <a:p>
+            <a:pPr marL="457200" lvl="1" indent="0">
+              <a:buNone/>
+            </a:pPr>
+            <a:r>
+              <a:rPr lang="en-US" altLang="zh-CN" sz="2200" dirty="0" err="1"/>
+              <a:t>sqoop</a:t>
+            </a:r>
+            <a:r>
+              <a:rPr lang="en-US" altLang="zh-CN" sz="2200" dirty="0"/>
+              <a:t> export \</a:t>
+            </a:r>
+          </a:p>
+          <a:p>
+            <a:pPr marL="457200" lvl="1" indent="0">
+              <a:buNone/>
+            </a:pPr>
+            <a:r>
+              <a:rPr lang="en-US" altLang="zh-CN" sz="2200" dirty="0"/>
+              <a:t>--connect </a:t>
+            </a:r>
+            <a:r>
+              <a:rPr lang="en-US" altLang="zh-CN" sz="2200" dirty="0" err="1"/>
+              <a:t>jdbc:mysql</a:t>
+            </a:r>
+            <a:r>
+              <a:rPr lang="en-US" altLang="zh-CN" sz="2200" dirty="0"/>
+              <a:t>://mysql.example.com/</a:t>
+            </a:r>
+            <a:r>
+              <a:rPr lang="en-US" altLang="zh-CN" sz="2200" dirty="0" err="1"/>
+              <a:t>sqoop</a:t>
+            </a:r>
+            <a:r>
+              <a:rPr lang="en-US" altLang="zh-CN" sz="2200" dirty="0"/>
+              <a:t> \</a:t>
+            </a:r>
+          </a:p>
+          <a:p>
+            <a:pPr marL="457200" lvl="1" indent="0">
+              <a:buNone/>
+            </a:pPr>
+            <a:r>
+              <a:rPr lang="en-US" altLang="zh-CN" sz="2200" dirty="0"/>
+              <a:t>--username </a:t>
+            </a:r>
+            <a:r>
+              <a:rPr lang="en-US" altLang="zh-CN" sz="2200" dirty="0" err="1"/>
+              <a:t>sqoop</a:t>
+            </a:r>
+            <a:r>
+              <a:rPr lang="en-US" altLang="zh-CN" sz="2200" dirty="0"/>
+              <a:t> \</a:t>
+            </a:r>
+          </a:p>
+          <a:p>
+            <a:pPr marL="457200" lvl="1" indent="0">
+              <a:buNone/>
+            </a:pPr>
+            <a:r>
+              <a:rPr lang="en-US" altLang="zh-CN" sz="2200" dirty="0"/>
+              <a:t>--password </a:t>
+            </a:r>
+            <a:r>
+              <a:rPr lang="en-US" altLang="zh-CN" sz="2200" dirty="0" err="1"/>
+              <a:t>sqoop</a:t>
+            </a:r>
+            <a:r>
+              <a:rPr lang="en-US" altLang="zh-CN" sz="2200" dirty="0"/>
+              <a:t> \</a:t>
+            </a:r>
+          </a:p>
+          <a:p>
+            <a:pPr marL="457200" lvl="1" indent="0">
+              <a:buNone/>
+            </a:pPr>
+            <a:r>
+              <a:rPr lang="en-US" altLang="zh-CN" sz="2200" b="1" dirty="0"/>
+              <a:t>--call </a:t>
+            </a:r>
+            <a:r>
+              <a:rPr lang="en-US" altLang="zh-CN" sz="2200" dirty="0" err="1" smtClean="0"/>
+              <a:t>populate_cities</a:t>
+            </a:r>
+            <a:endParaRPr lang="en-US" altLang="zh-CN" sz="2200" dirty="0" smtClean="0"/>
+          </a:p>
+          <a:p>
+            <a:pPr marL="457200" lvl="1" indent="0">
+              <a:buNone/>
+            </a:pPr>
+            <a:endParaRPr lang="en-US" altLang="zh-CN" sz="2200" dirty="0"/>
+          </a:p>
+          <a:p>
+            <a:pPr marL="457200" lvl="1" indent="0">
+              <a:buNone/>
+            </a:pPr>
+            <a:endParaRPr lang="zh-CN" altLang="en-US" sz="2200" dirty="0"/>
+          </a:p>
+        </p:txBody>
+      </p:sp>
+      <p:sp>
+        <p:nvSpPr>
+          <p:cNvPr id="3" name="标题 2"/>
+          <p:cNvSpPr>
+            <a:spLocks noGrp="1"/>
+          </p:cNvSpPr>
+          <p:nvPr>
+            <p:ph type="title"/>
+          </p:nvPr>
+        </p:nvSpPr>
+        <p:spPr/>
+        <p:txBody>
+          <a:bodyPr/>
+          <a:lstStyle/>
+          <a:p>
+            <a:r>
+              <a:rPr lang="en-US" altLang="zh-CN" dirty="0" err="1"/>
+              <a:t>Sqoop</a:t>
+            </a:r>
+            <a:r>
+              <a:rPr lang="en-US" altLang="zh-CN" dirty="0"/>
+              <a:t> EXPORT</a:t>
+            </a:r>
+            <a:endParaRPr lang="zh-CN" altLang="en-US" dirty="0"/>
+          </a:p>
+        </p:txBody>
+      </p:sp>
+    </p:spTree>
+    <p:extLst>
+      <p:ext uri="{BB962C8B-B14F-4D97-AF65-F5344CB8AC3E}">
+        <p14:creationId xmlns:p14="http://schemas.microsoft.com/office/powerpoint/2010/main" val="2953733089"/>
+      </p:ext>
+    </p:extLst>
+  </p:cSld>
+  <p:clrMapOvr>
+    <a:masterClrMapping/>
+  </p:clrMapOvr>
+</p:sld>
+</file>
+
+<file path=ppt/slides/slide53.xml><?xml version="1.0" encoding="utf-8"?>
+<p:sld xmlns:a="http://schemas.openxmlformats.org/drawingml/2006/main" xmlns:r="http://schemas.openxmlformats.org/officeDocument/2006/relationships" xmlns:p="http://schemas.openxmlformats.org/presentationml/2006/main">
+  <p:cSld>
+    <p:spTree>
+      <p:nvGrpSpPr>
+        <p:cNvPr id="1" name=""/>
+        <p:cNvGrpSpPr/>
+        <p:nvPr/>
+      </p:nvGrpSpPr>
+      <p:grpSpPr>
+        <a:xfrm>
+          <a:off x="0" y="0"/>
+          <a:ext cx="0" cy="0"/>
+          <a:chOff x="0" y="0"/>
+          <a:chExt cx="0" cy="0"/>
+        </a:xfrm>
+      </p:grpSpPr>
+      <p:sp>
+        <p:nvSpPr>
+          <p:cNvPr id="2" name="内容占位符 1"/>
+          <p:cNvSpPr>
+            <a:spLocks noGrp="1"/>
+          </p:cNvSpPr>
+          <p:nvPr>
+            <p:ph sz="quarter" idx="10"/>
+          </p:nvPr>
+        </p:nvSpPr>
+        <p:spPr/>
+        <p:txBody>
+          <a:bodyPr/>
+          <a:lstStyle/>
+          <a:p>
+            <a:r>
+              <a:rPr lang="zh-CN" altLang="en-US" sz="2800" dirty="0" smtClean="0"/>
+              <a:t>导入部分列</a:t>
+            </a:r>
+            <a:r>
+              <a:rPr lang="en-US" altLang="zh-CN" sz="2800" dirty="0"/>
+              <a:t>--</a:t>
+            </a:r>
+            <a:r>
+              <a:rPr lang="en-US" altLang="zh-CN" sz="2800" dirty="0" smtClean="0"/>
+              <a:t>columns</a:t>
+            </a:r>
+          </a:p>
+          <a:p>
+            <a:pPr marL="457200" lvl="1" indent="0">
+              <a:buNone/>
+            </a:pPr>
+            <a:r>
+              <a:rPr lang="en-US" altLang="zh-CN" sz="2200" dirty="0" err="1"/>
+              <a:t>sqoop</a:t>
+            </a:r>
+            <a:r>
+              <a:rPr lang="en-US" altLang="zh-CN" sz="2200" dirty="0"/>
+              <a:t> export \</a:t>
+            </a:r>
+          </a:p>
+          <a:p>
+            <a:pPr marL="457200" lvl="1" indent="0">
+              <a:buNone/>
+            </a:pPr>
+            <a:r>
+              <a:rPr lang="en-US" altLang="zh-CN" sz="2200" dirty="0"/>
+              <a:t>--connect </a:t>
+            </a:r>
+            <a:r>
+              <a:rPr lang="en-US" altLang="zh-CN" sz="2200" dirty="0" err="1"/>
+              <a:t>jdbc:mysql</a:t>
+            </a:r>
+            <a:r>
+              <a:rPr lang="en-US" altLang="zh-CN" sz="2200" dirty="0"/>
+              <a:t>://mysql.example.com/</a:t>
+            </a:r>
+            <a:r>
+              <a:rPr lang="en-US" altLang="zh-CN" sz="2200" dirty="0" err="1"/>
+              <a:t>sqoop</a:t>
+            </a:r>
+            <a:r>
+              <a:rPr lang="en-US" altLang="zh-CN" sz="2200" dirty="0"/>
+              <a:t> \</a:t>
+            </a:r>
+          </a:p>
+          <a:p>
+            <a:pPr marL="457200" lvl="1" indent="0">
+              <a:buNone/>
+            </a:pPr>
+            <a:r>
+              <a:rPr lang="en-US" altLang="zh-CN" sz="2200" dirty="0"/>
+              <a:t>--username </a:t>
+            </a:r>
+            <a:r>
+              <a:rPr lang="en-US" altLang="zh-CN" sz="2200" dirty="0" err="1"/>
+              <a:t>sqoop</a:t>
+            </a:r>
+            <a:r>
+              <a:rPr lang="en-US" altLang="zh-CN" sz="2200" dirty="0"/>
+              <a:t> \</a:t>
+            </a:r>
+          </a:p>
+          <a:p>
+            <a:pPr marL="457200" lvl="1" indent="0">
+              <a:buNone/>
+            </a:pPr>
+            <a:r>
+              <a:rPr lang="en-US" altLang="zh-CN" sz="2200" dirty="0"/>
+              <a:t>--password </a:t>
+            </a:r>
+            <a:r>
+              <a:rPr lang="en-US" altLang="zh-CN" sz="2200" dirty="0" err="1"/>
+              <a:t>sqoop</a:t>
+            </a:r>
+            <a:r>
+              <a:rPr lang="en-US" altLang="zh-CN" sz="2200" dirty="0"/>
+              <a:t> \</a:t>
+            </a:r>
+          </a:p>
+          <a:p>
+            <a:pPr marL="457200" lvl="1" indent="0">
+              <a:buNone/>
+            </a:pPr>
+            <a:r>
+              <a:rPr lang="en-US" altLang="zh-CN" sz="2200" dirty="0"/>
+              <a:t>--table cities \</a:t>
+            </a:r>
+          </a:p>
+          <a:p>
+            <a:pPr marL="457200" lvl="1" indent="0">
+              <a:buNone/>
+            </a:pPr>
+            <a:r>
+              <a:rPr lang="en-US" altLang="zh-CN" sz="2200" b="1" dirty="0"/>
+              <a:t>--columns </a:t>
+            </a:r>
+            <a:r>
+              <a:rPr lang="en-US" altLang="zh-CN" sz="2200" dirty="0" err="1"/>
+              <a:t>country,city</a:t>
+            </a:r>
+            <a:endParaRPr lang="zh-CN" altLang="en-US" sz="2200" dirty="0"/>
+          </a:p>
+        </p:txBody>
+      </p:sp>
+      <p:sp>
+        <p:nvSpPr>
+          <p:cNvPr id="3" name="标题 2"/>
+          <p:cNvSpPr>
+            <a:spLocks noGrp="1"/>
+          </p:cNvSpPr>
+          <p:nvPr>
+            <p:ph type="title"/>
+          </p:nvPr>
+        </p:nvSpPr>
+        <p:spPr/>
+        <p:txBody>
+          <a:bodyPr/>
+          <a:lstStyle/>
+          <a:p>
+            <a:r>
+              <a:rPr lang="en-US" altLang="zh-CN" dirty="0" err="1"/>
+              <a:t>Sqoop</a:t>
+            </a:r>
+            <a:r>
+              <a:rPr lang="en-US" altLang="zh-CN" dirty="0"/>
+              <a:t> EXPORT</a:t>
+            </a:r>
+            <a:endParaRPr lang="zh-CN" altLang="en-US" dirty="0"/>
+          </a:p>
+        </p:txBody>
+      </p:sp>
+    </p:spTree>
+    <p:extLst>
+      <p:ext uri="{BB962C8B-B14F-4D97-AF65-F5344CB8AC3E}">
+        <p14:creationId xmlns:p14="http://schemas.microsoft.com/office/powerpoint/2010/main" val="1309456571"/>
+      </p:ext>
+    </p:extLst>
+  </p:cSld>
+  <p:clrMapOvr>
+    <a:masterClrMapping/>
+  </p:clrMapOvr>
+</p:sld>
+</file>
+
+<file path=ppt/slides/slide54.xml><?xml version="1.0" encoding="utf-8"?>
+<p:sld xmlns:a="http://schemas.openxmlformats.org/drawingml/2006/main" xmlns:r="http://schemas.openxmlformats.org/officeDocument/2006/relationships" xmlns:p="http://schemas.openxmlformats.org/presentationml/2006/main">
+  <p:cSld>
+    <p:spTree>
+      <p:nvGrpSpPr>
+        <p:cNvPr id="1" name=""/>
+        <p:cNvGrpSpPr/>
+        <p:nvPr/>
+      </p:nvGrpSpPr>
+      <p:grpSpPr>
+        <a:xfrm>
+          <a:off x="0" y="0"/>
+          <a:ext cx="0" cy="0"/>
+          <a:chOff x="0" y="0"/>
+          <a:chExt cx="0" cy="0"/>
+        </a:xfrm>
+      </p:grpSpPr>
+      <p:sp>
+        <p:nvSpPr>
+          <p:cNvPr id="2" name="内容占位符 1"/>
+          <p:cNvSpPr>
+            <a:spLocks noGrp="1"/>
+          </p:cNvSpPr>
+          <p:nvPr>
+            <p:ph sz="quarter" idx="10"/>
+          </p:nvPr>
+        </p:nvSpPr>
+        <p:spPr/>
+        <p:txBody>
+          <a:bodyPr/>
+          <a:lstStyle/>
+          <a:p>
+            <a:r>
+              <a:rPr lang="zh-CN" altLang="en-US" sz="2800" dirty="0" smtClean="0"/>
+              <a:t>重写</a:t>
+            </a:r>
+            <a:r>
+              <a:rPr lang="en-US" altLang="zh-CN" sz="2800" dirty="0" smtClean="0"/>
+              <a:t>NULL</a:t>
+            </a:r>
+            <a:r>
+              <a:rPr lang="zh-CN" altLang="en-US" sz="2800" dirty="0" smtClean="0"/>
+              <a:t>值</a:t>
+            </a:r>
+            <a:endParaRPr lang="en-US" altLang="zh-CN" sz="2800" dirty="0" smtClean="0"/>
+          </a:p>
+          <a:p>
+            <a:pPr marL="457200" lvl="1" indent="0">
+              <a:buNone/>
+            </a:pPr>
+            <a:r>
+              <a:rPr lang="en-US" altLang="zh-CN" sz="2400" dirty="0"/>
+              <a:t>--input-</a:t>
+            </a:r>
+            <a:r>
+              <a:rPr lang="en-US" altLang="zh-CN" sz="2400" dirty="0" err="1"/>
+              <a:t>nullstring</a:t>
+            </a:r>
+            <a:r>
+              <a:rPr lang="zh-CN" altLang="en-US" sz="2400" dirty="0"/>
+              <a:t>和</a:t>
+            </a:r>
+            <a:r>
+              <a:rPr lang="en-US" altLang="zh-CN" sz="2400" dirty="0"/>
+              <a:t>--</a:t>
+            </a:r>
+            <a:r>
+              <a:rPr lang="en-US" altLang="zh-CN" sz="2400" dirty="0" smtClean="0"/>
+              <a:t>input-null-non-string</a:t>
+            </a:r>
+          </a:p>
+          <a:p>
+            <a:pPr marL="457200" lvl="1" indent="0">
+              <a:buNone/>
+            </a:pPr>
+            <a:endParaRPr lang="en-US" altLang="zh-CN" sz="2400" dirty="0"/>
+          </a:p>
+          <a:p>
+            <a:pPr marL="457200" lvl="1" indent="0">
+              <a:buNone/>
+            </a:pPr>
+            <a:r>
+              <a:rPr lang="en-US" altLang="zh-CN" sz="2200" dirty="0" err="1"/>
+              <a:t>sqoop</a:t>
+            </a:r>
+            <a:r>
+              <a:rPr lang="en-US" altLang="zh-CN" sz="2200" dirty="0"/>
+              <a:t> export \</a:t>
+            </a:r>
+          </a:p>
+          <a:p>
+            <a:pPr marL="457200" lvl="1" indent="0">
+              <a:buNone/>
+            </a:pPr>
+            <a:r>
+              <a:rPr lang="en-US" altLang="zh-CN" sz="2200" dirty="0"/>
+              <a:t>--connect </a:t>
+            </a:r>
+            <a:r>
+              <a:rPr lang="en-US" altLang="zh-CN" sz="2200" dirty="0" err="1"/>
+              <a:t>jdbc:mysql</a:t>
+            </a:r>
+            <a:r>
+              <a:rPr lang="en-US" altLang="zh-CN" sz="2200" dirty="0"/>
+              <a:t>://mysql.example.com/</a:t>
+            </a:r>
+            <a:r>
+              <a:rPr lang="en-US" altLang="zh-CN" sz="2200" dirty="0" err="1"/>
+              <a:t>sqoop</a:t>
+            </a:r>
+            <a:r>
+              <a:rPr lang="en-US" altLang="zh-CN" sz="2200" dirty="0"/>
+              <a:t> \</a:t>
+            </a:r>
+          </a:p>
+          <a:p>
+            <a:pPr marL="457200" lvl="1" indent="0">
+              <a:buNone/>
+            </a:pPr>
+            <a:r>
+              <a:rPr lang="en-US" altLang="zh-CN" sz="2200" dirty="0"/>
+              <a:t>--username </a:t>
+            </a:r>
+            <a:r>
+              <a:rPr lang="en-US" altLang="zh-CN" sz="2200" dirty="0" err="1"/>
+              <a:t>sqoop</a:t>
+            </a:r>
+            <a:r>
+              <a:rPr lang="en-US" altLang="zh-CN" sz="2200" dirty="0"/>
+              <a:t> \</a:t>
+            </a:r>
+          </a:p>
+          <a:p>
+            <a:pPr marL="457200" lvl="1" indent="0">
+              <a:buNone/>
+            </a:pPr>
+            <a:r>
+              <a:rPr lang="en-US" altLang="zh-CN" sz="2200" dirty="0"/>
+              <a:t>--password </a:t>
+            </a:r>
+            <a:r>
+              <a:rPr lang="en-US" altLang="zh-CN" sz="2200" dirty="0" err="1"/>
+              <a:t>sqoop</a:t>
+            </a:r>
+            <a:r>
+              <a:rPr lang="en-US" altLang="zh-CN" sz="2200" dirty="0"/>
+              <a:t> \</a:t>
+            </a:r>
+          </a:p>
+          <a:p>
+            <a:pPr marL="457200" lvl="1" indent="0">
+              <a:buNone/>
+            </a:pPr>
+            <a:r>
+              <a:rPr lang="en-US" altLang="zh-CN" sz="2200" dirty="0"/>
+              <a:t>--table cities \</a:t>
+            </a:r>
+          </a:p>
+          <a:p>
+            <a:pPr marL="457200" lvl="1" indent="0">
+              <a:buNone/>
+            </a:pPr>
+            <a:r>
+              <a:rPr lang="en-US" altLang="zh-CN" sz="2200" b="1" dirty="0"/>
+              <a:t>--input-null-string </a:t>
+            </a:r>
+            <a:r>
+              <a:rPr lang="en-US" altLang="zh-CN" sz="2200" dirty="0"/>
+              <a:t>'\\N' \</a:t>
+            </a:r>
+          </a:p>
+          <a:p>
+            <a:pPr marL="457200" lvl="1" indent="0">
+              <a:buNone/>
+            </a:pPr>
+            <a:r>
+              <a:rPr lang="en-US" altLang="zh-CN" sz="2200" b="1" dirty="0"/>
+              <a:t>--input-null-non-string </a:t>
+            </a:r>
+            <a:r>
+              <a:rPr lang="en-US" altLang="zh-CN" sz="2200" dirty="0"/>
+              <a:t>'\\N'</a:t>
+            </a:r>
+            <a:endParaRPr lang="zh-CN" altLang="en-US" sz="2200" dirty="0"/>
+          </a:p>
+        </p:txBody>
+      </p:sp>
+      <p:sp>
+        <p:nvSpPr>
+          <p:cNvPr id="3" name="标题 2"/>
+          <p:cNvSpPr>
+            <a:spLocks noGrp="1"/>
+          </p:cNvSpPr>
+          <p:nvPr>
+            <p:ph type="title"/>
+          </p:nvPr>
+        </p:nvSpPr>
+        <p:spPr/>
+        <p:txBody>
+          <a:bodyPr/>
+          <a:lstStyle/>
+          <a:p>
+            <a:r>
+              <a:rPr lang="en-US" altLang="zh-CN" dirty="0" err="1"/>
+              <a:t>Sqoop</a:t>
+            </a:r>
+            <a:r>
+              <a:rPr lang="en-US" altLang="zh-CN" dirty="0"/>
+              <a:t> EXPORT</a:t>
+            </a:r>
+            <a:endParaRPr lang="zh-CN" altLang="en-US" dirty="0"/>
+          </a:p>
+        </p:txBody>
+      </p:sp>
+    </p:spTree>
+    <p:extLst>
+      <p:ext uri="{BB962C8B-B14F-4D97-AF65-F5344CB8AC3E}">
+        <p14:creationId xmlns:p14="http://schemas.microsoft.com/office/powerpoint/2010/main" val="1309456571"/>
+      </p:ext>
+    </p:extLst>
+  </p:cSld>
+  <p:clrMapOvr>
+    <a:masterClrMapping/>
+  </p:clrMapOvr>
+</p:sld>
+</file>
+
+<file path=ppt/slides/slide55.xml><?xml version="1.0" encoding="utf-8"?>
+<p:sld xmlns:a="http://schemas.openxmlformats.org/drawingml/2006/main" xmlns:r="http://schemas.openxmlformats.org/officeDocument/2006/relationships" xmlns:p="http://schemas.openxmlformats.org/presentationml/2006/main">
+  <p:cSld>
+    <p:spTree>
+      <p:nvGrpSpPr>
+        <p:cNvPr id="1" name=""/>
+        <p:cNvGrpSpPr/>
+        <p:nvPr/>
+      </p:nvGrpSpPr>
+      <p:grpSpPr>
+        <a:xfrm>
+          <a:off x="0" y="0"/>
+          <a:ext cx="0" cy="0"/>
+          <a:chOff x="0" y="0"/>
+          <a:chExt cx="0" cy="0"/>
+        </a:xfrm>
+      </p:grpSpPr>
+      <p:sp>
+        <p:nvSpPr>
+          <p:cNvPr id="2" name="内容占位符 1"/>
+          <p:cNvSpPr>
+            <a:spLocks noGrp="1"/>
+          </p:cNvSpPr>
+          <p:nvPr>
+            <p:ph sz="quarter" idx="10"/>
+          </p:nvPr>
+        </p:nvSpPr>
+        <p:spPr/>
+        <p:txBody>
+          <a:bodyPr/>
+          <a:lstStyle/>
+          <a:p>
+            <a:r>
+              <a:rPr lang="en-US" altLang="zh-CN" sz="2800" dirty="0" err="1" smtClean="0"/>
+              <a:t>Sqoop</a:t>
+            </a:r>
+            <a:r>
+              <a:rPr lang="en-US" altLang="zh-CN" sz="2800" dirty="0" smtClean="0"/>
+              <a:t> job</a:t>
+            </a:r>
+            <a:r>
+              <a:rPr lang="zh-CN" altLang="en-US" sz="2800" dirty="0" smtClean="0"/>
+              <a:t>创建和保存</a:t>
+            </a:r>
+            <a:r>
+              <a:rPr lang="en-US" altLang="zh-CN" sz="2800" dirty="0" err="1" smtClean="0"/>
+              <a:t>import&amp;export</a:t>
+            </a:r>
+            <a:r>
+              <a:rPr lang="zh-CN" altLang="en-US" sz="2800" dirty="0" smtClean="0"/>
+              <a:t>命令。</a:t>
+            </a:r>
+            <a:endParaRPr lang="en-US" altLang="zh-CN" sz="2800" dirty="0" smtClean="0"/>
+          </a:p>
+          <a:p>
+            <a:pPr lvl="1"/>
+            <a:r>
+              <a:rPr lang="zh-CN" altLang="en-US" sz="2400" dirty="0" smtClean="0"/>
+              <a:t>通过参数来识别和重新执行保存的</a:t>
+            </a:r>
+            <a:r>
+              <a:rPr lang="en-US" altLang="zh-CN" sz="2400" dirty="0" smtClean="0"/>
+              <a:t>job</a:t>
+            </a:r>
+            <a:r>
+              <a:rPr lang="zh-CN" altLang="en-US" sz="2400" dirty="0" smtClean="0"/>
+              <a:t>。</a:t>
+            </a:r>
+            <a:endParaRPr lang="en-US" altLang="zh-CN" sz="2400" dirty="0" smtClean="0"/>
+          </a:p>
+          <a:p>
+            <a:pPr lvl="1"/>
+            <a:r>
+              <a:rPr lang="en-US" altLang="zh-CN" sz="2400" dirty="0" smtClean="0"/>
+              <a:t>re-calling/re-executing</a:t>
+            </a:r>
+            <a:r>
+              <a:rPr lang="zh-CN" altLang="en-US" sz="2400" dirty="0" smtClean="0"/>
+              <a:t>重新执行</a:t>
+            </a:r>
+            <a:r>
+              <a:rPr lang="en-US" altLang="zh-CN" sz="2400" dirty="0"/>
+              <a:t>incremental </a:t>
+            </a:r>
+            <a:r>
+              <a:rPr lang="en-US" altLang="zh-CN" sz="2400" dirty="0" smtClean="0"/>
+              <a:t>import</a:t>
+            </a:r>
+            <a:r>
+              <a:rPr lang="zh-CN" altLang="en-US" sz="2400" dirty="0" smtClean="0"/>
+              <a:t>。</a:t>
+            </a:r>
+            <a:endParaRPr lang="en-US" altLang="zh-CN" sz="2400" dirty="0"/>
+          </a:p>
+          <a:p>
+            <a:r>
+              <a:rPr lang="zh-CN" altLang="en-US" sz="2800" dirty="0" smtClean="0"/>
+              <a:t>语法：</a:t>
+            </a:r>
+            <a:endParaRPr lang="en-US" altLang="zh-CN" sz="2800" dirty="0" smtClean="0"/>
+          </a:p>
+          <a:p>
+            <a:pPr marL="457200" lvl="1" indent="0">
+              <a:buNone/>
+            </a:pPr>
+            <a:r>
+              <a:rPr lang="en-US" altLang="zh-CN" sz="2400" dirty="0"/>
+              <a:t>$ </a:t>
+            </a:r>
+            <a:r>
+              <a:rPr lang="en-US" altLang="zh-CN" sz="2400" dirty="0" err="1"/>
+              <a:t>sqoop</a:t>
+            </a:r>
+            <a:r>
+              <a:rPr lang="en-US" altLang="zh-CN" sz="2400" dirty="0"/>
+              <a:t> job (generic-</a:t>
+            </a:r>
+            <a:r>
+              <a:rPr lang="en-US" altLang="zh-CN" sz="2400" dirty="0" err="1"/>
+              <a:t>args</a:t>
+            </a:r>
+            <a:r>
+              <a:rPr lang="en-US" altLang="zh-CN" sz="2400" dirty="0"/>
+              <a:t>) (job-</a:t>
+            </a:r>
+            <a:r>
+              <a:rPr lang="en-US" altLang="zh-CN" sz="2400" dirty="0" err="1"/>
+              <a:t>args</a:t>
+            </a:r>
+            <a:r>
+              <a:rPr lang="en-US" altLang="zh-CN" sz="2400" dirty="0"/>
+              <a:t>)</a:t>
+            </a:r>
+          </a:p>
+          <a:p>
+            <a:pPr marL="457200" lvl="1" indent="0">
+              <a:buNone/>
+            </a:pPr>
+            <a:r>
+              <a:rPr lang="en-US" altLang="zh-CN" sz="2400" dirty="0"/>
+              <a:t>[-- [</a:t>
+            </a:r>
+            <a:r>
+              <a:rPr lang="en-US" altLang="zh-CN" sz="2400" dirty="0" err="1"/>
+              <a:t>subtool</a:t>
+            </a:r>
+            <a:r>
+              <a:rPr lang="en-US" altLang="zh-CN" sz="2400" dirty="0"/>
+              <a:t>-name] (</a:t>
+            </a:r>
+            <a:r>
+              <a:rPr lang="en-US" altLang="zh-CN" sz="2400" dirty="0" err="1"/>
+              <a:t>subtool-args</a:t>
+            </a:r>
+            <a:r>
+              <a:rPr lang="en-US" altLang="zh-CN" sz="2400" dirty="0"/>
+              <a:t>)]</a:t>
+            </a:r>
+          </a:p>
+          <a:p>
+            <a:pPr marL="457200" lvl="1" indent="0">
+              <a:buNone/>
+            </a:pPr>
+            <a:r>
+              <a:rPr lang="en-US" altLang="zh-CN" sz="2400" dirty="0"/>
+              <a:t>$ </a:t>
+            </a:r>
+            <a:r>
+              <a:rPr lang="en-US" altLang="zh-CN" sz="2400" dirty="0" err="1"/>
+              <a:t>sqoop</a:t>
+            </a:r>
+            <a:r>
+              <a:rPr lang="en-US" altLang="zh-CN" sz="2400" dirty="0"/>
+              <a:t>-job (generic-</a:t>
+            </a:r>
+            <a:r>
+              <a:rPr lang="en-US" altLang="zh-CN" sz="2400" dirty="0" err="1"/>
+              <a:t>args</a:t>
+            </a:r>
+            <a:r>
+              <a:rPr lang="en-US" altLang="zh-CN" sz="2400" dirty="0"/>
+              <a:t>) (job-</a:t>
+            </a:r>
+            <a:r>
+              <a:rPr lang="en-US" altLang="zh-CN" sz="2400" dirty="0" err="1"/>
+              <a:t>args</a:t>
+            </a:r>
+            <a:r>
+              <a:rPr lang="en-US" altLang="zh-CN" sz="2400" dirty="0"/>
+              <a:t>)</a:t>
+            </a:r>
+          </a:p>
+          <a:p>
+            <a:pPr marL="457200" lvl="1" indent="0">
+              <a:buNone/>
+            </a:pPr>
+            <a:r>
+              <a:rPr lang="en-US" altLang="zh-CN" sz="2400" dirty="0"/>
+              <a:t>[-- [</a:t>
+            </a:r>
+            <a:r>
+              <a:rPr lang="en-US" altLang="zh-CN" sz="2400" dirty="0" err="1"/>
+              <a:t>subtool</a:t>
+            </a:r>
+            <a:r>
+              <a:rPr lang="en-US" altLang="zh-CN" sz="2400" dirty="0"/>
+              <a:t>-name] (</a:t>
+            </a:r>
+            <a:r>
+              <a:rPr lang="en-US" altLang="zh-CN" sz="2400" dirty="0" err="1"/>
+              <a:t>subtool-args</a:t>
+            </a:r>
+            <a:r>
+              <a:rPr lang="en-US" altLang="zh-CN" sz="2400" dirty="0"/>
+              <a:t>)]</a:t>
+            </a:r>
+          </a:p>
+        </p:txBody>
+      </p:sp>
+      <p:sp>
+        <p:nvSpPr>
+          <p:cNvPr id="3" name="标题 2"/>
+          <p:cNvSpPr>
+            <a:spLocks noGrp="1"/>
+          </p:cNvSpPr>
+          <p:nvPr>
+            <p:ph type="title"/>
+          </p:nvPr>
+        </p:nvSpPr>
+        <p:spPr/>
+        <p:txBody>
+          <a:bodyPr/>
+          <a:lstStyle/>
+          <a:p>
+            <a:r>
               <a:rPr lang="en-US" altLang="zh-CN" dirty="0"/>
               <a:t>SQOOP JOB</a:t>
             </a:r>
@@ -12846,7 +13984,7 @@
 </p:sld>
 </file>
 
-<file path=ppt/slides/slide51.xml><?xml version="1.0" encoding="utf-8"?>
+<file path=ppt/slides/slide56.xml><?xml version="1.0" encoding="utf-8"?>
 <p:sld xmlns:a="http://schemas.openxmlformats.org/drawingml/2006/main" xmlns:r="http://schemas.openxmlformats.org/officeDocument/2006/relationships" xmlns:p="http://schemas.openxmlformats.org/presentationml/2006/main">
   <p:cSld>
     <p:spTree>
@@ -13110,7 +14248,7 @@
 </p:sld>
 </file>
 
-<file path=ppt/slides/slide52.xml><?xml version="1.0" encoding="utf-8"?>
+<file path=ppt/slides/slide57.xml><?xml version="1.0" encoding="utf-8"?>
 <p:sld xmlns:a="http://schemas.openxmlformats.org/drawingml/2006/main" xmlns:r="http://schemas.openxmlformats.org/officeDocument/2006/relationships" xmlns:p="http://schemas.openxmlformats.org/presentationml/2006/main">
   <p:cSld>
     <p:spTree>
@@ -13288,7 +14426,7 @@
 </p:sld>
 </file>
 
-<file path=ppt/slides/slide53.xml><?xml version="1.0" encoding="utf-8"?>
+<file path=ppt/slides/slide58.xml><?xml version="1.0" encoding="utf-8"?>
 <p:sld xmlns:a="http://schemas.openxmlformats.org/drawingml/2006/main" xmlns:r="http://schemas.openxmlformats.org/officeDocument/2006/relationships" xmlns:p="http://schemas.openxmlformats.org/presentationml/2006/main">
   <p:cSld>
     <p:spTree>
@@ -13397,7 +14535,7 @@
 </p:sld>
 </file>
 
-<file path=ppt/slides/slide54.xml><?xml version="1.0" encoding="utf-8"?>
+<file path=ppt/slides/slide59.xml><?xml version="1.0" encoding="utf-8"?>
 <p:sld xmlns:a="http://schemas.openxmlformats.org/drawingml/2006/main" xmlns:r="http://schemas.openxmlformats.org/officeDocument/2006/relationships" xmlns:p="http://schemas.openxmlformats.org/presentationml/2006/main">
   <p:cSld>
     <p:spTree>
@@ -13494,7 +14632,7 @@
 </p:sld>
 </file>
 
-<file path=ppt/slides/slide55.xml><?xml version="1.0" encoding="utf-8"?>
+<file path=ppt/slides/slide6.xml><?xml version="1.0" encoding="utf-8"?>
 <p:sld xmlns:a="http://schemas.openxmlformats.org/drawingml/2006/main" xmlns:r="http://schemas.openxmlformats.org/officeDocument/2006/relationships" xmlns:p="http://schemas.openxmlformats.org/presentationml/2006/main">
   <p:cSld>
     <p:spTree>
@@ -13527,26 +14665,163 @@
           <a:lstStyle/>
           <a:p>
             <a:r>
-              <a:rPr lang="en-US" altLang="zh-CN" sz="2800" dirty="0" smtClean="0"/>
-              <a:t>Overriding the Arguments to a Saved Job</a:t>
-            </a:r>
-          </a:p>
-          <a:p>
-            <a:endParaRPr lang="en-US" altLang="zh-CN" sz="2800" dirty="0"/>
-          </a:p>
-          <a:p>
-            <a:pPr marL="457200" lvl="1" indent="0">
-              <a:buNone/>
-            </a:pPr>
-            <a:r>
-              <a:rPr lang="en-US" altLang="zh-CN" sz="2400" dirty="0" err="1"/>
-              <a:t>sqoop</a:t>
-            </a:r>
-            <a:r>
-              <a:rPr lang="en-US" altLang="zh-CN" sz="2400" dirty="0"/>
-              <a:t> job --exec visits -- --verbose</a:t>
-            </a:r>
-            <a:endParaRPr lang="zh-CN" altLang="en-US" sz="2400" dirty="0"/>
+              <a:rPr lang="zh-CN" altLang="en-US" sz="2800" smtClean="0">
+                <a:latin typeface="+mj-lt"/>
+              </a:rPr>
+              <a:t>安装依赖</a:t>
+            </a:r>
+            <a:endParaRPr lang="en-US" altLang="zh-CN" sz="2800" smtClean="0">
+              <a:latin typeface="+mj-lt"/>
+            </a:endParaRPr>
+          </a:p>
+          <a:p>
+            <a:pPr lvl="1"/>
+            <a:r>
+              <a:rPr lang="en-US" altLang="zh-CN" sz="2400" smtClean="0">
+                <a:latin typeface="+mj-lt"/>
+              </a:rPr>
+              <a:t>hadoop</a:t>
+            </a:r>
+            <a:r>
+              <a:rPr lang="zh-CN" altLang="en-US" sz="2400" smtClean="0">
+                <a:latin typeface="+mj-lt"/>
+              </a:rPr>
+              <a:t>的类库必须在</a:t>
+            </a:r>
+            <a:r>
+              <a:rPr lang="en-US" altLang="zh-CN" sz="2400" smtClean="0">
+                <a:latin typeface="+mj-lt"/>
+              </a:rPr>
+              <a:t>Server</a:t>
+            </a:r>
+            <a:r>
+              <a:rPr lang="zh-CN" altLang="en-US" sz="2400" smtClean="0">
+                <a:latin typeface="+mj-lt"/>
+              </a:rPr>
+              <a:t>上可用，而且配置了</a:t>
+            </a:r>
+            <a:r>
+              <a:rPr lang="en-US" altLang="zh-CN" sz="2400" smtClean="0">
+                <a:latin typeface="+mj-lt"/>
+              </a:rPr>
+              <a:t>Namenode</a:t>
+            </a:r>
+            <a:r>
+              <a:rPr lang="zh-CN" altLang="en-US" sz="2400" smtClean="0">
+                <a:latin typeface="+mj-lt"/>
+              </a:rPr>
+              <a:t>和</a:t>
+            </a:r>
+            <a:r>
+              <a:rPr lang="en-US" altLang="zh-CN" sz="2400" smtClean="0">
+                <a:latin typeface="+mj-lt"/>
+              </a:rPr>
+              <a:t>ResourceManager</a:t>
+            </a:r>
+            <a:r>
+              <a:rPr lang="zh-CN" altLang="en-US" sz="2400" smtClean="0">
+                <a:latin typeface="+mj-lt"/>
+              </a:rPr>
+              <a:t>等主要服务。不需要启动服务，主要类库和配置正确即可。</a:t>
+            </a:r>
+            <a:endParaRPr lang="en-US" altLang="zh-CN" sz="2400">
+              <a:latin typeface="+mj-lt"/>
+            </a:endParaRPr>
+          </a:p>
+          <a:p>
+            <a:pPr lvl="1"/>
+            <a:r>
+              <a:rPr lang="en-US" altLang="zh-CN" sz="2400" smtClean="0">
+                <a:latin typeface="+mj-lt"/>
+              </a:rPr>
+              <a:t>${sqoop_home}/server/conf/catalina.properties</a:t>
+            </a:r>
+            <a:r>
+              <a:rPr lang="zh-CN" altLang="en-US" sz="2400" smtClean="0">
+                <a:latin typeface="+mj-lt"/>
+              </a:rPr>
+              <a:t>文件中包含了</a:t>
+            </a:r>
+            <a:r>
+              <a:rPr lang="en-US" altLang="zh-CN" sz="2400" smtClean="0">
+                <a:latin typeface="+mj-lt"/>
+              </a:rPr>
+              <a:t>hadoop</a:t>
+            </a:r>
+            <a:r>
+              <a:rPr lang="zh-CN" altLang="en-US" sz="2400" smtClean="0">
+                <a:latin typeface="+mj-lt"/>
+              </a:rPr>
+              <a:t>库路径信息，可以修改</a:t>
+            </a:r>
+            <a:r>
+              <a:rPr lang="en-US" altLang="zh-CN" sz="2400" smtClean="0">
+                <a:latin typeface="+mj-lt"/>
+              </a:rPr>
+              <a:t>common.loader</a:t>
+            </a:r>
+            <a:r>
+              <a:rPr lang="zh-CN" altLang="en-US" sz="2400" smtClean="0">
+                <a:latin typeface="+mj-lt"/>
+              </a:rPr>
+              <a:t>属性进行修改。指定</a:t>
+            </a:r>
+            <a:r>
+              <a:rPr lang="en-US" altLang="zh-CN" sz="2400" smtClean="0">
+                <a:latin typeface="+mj-lt"/>
+              </a:rPr>
+              <a:t>hadoop</a:t>
+            </a:r>
+            <a:r>
+              <a:rPr lang="zh-CN" altLang="en-US" sz="2400" smtClean="0">
+                <a:latin typeface="+mj-lt"/>
+              </a:rPr>
+              <a:t>的所有库路径。</a:t>
+            </a:r>
+            <a:endParaRPr lang="en-US" altLang="zh-CN" sz="2400">
+              <a:latin typeface="+mj-lt"/>
+            </a:endParaRPr>
+          </a:p>
+          <a:p>
+            <a:pPr lvl="1"/>
+            <a:r>
+              <a:rPr lang="zh-CN" altLang="en-US" sz="2400" smtClean="0">
+                <a:latin typeface="+mj-lt"/>
+              </a:rPr>
+              <a:t>安装驱动包到</a:t>
+            </a:r>
+            <a:r>
+              <a:rPr lang="en-US" altLang="zh-CN" sz="2400" smtClean="0">
+                <a:latin typeface="+mj-lt"/>
+              </a:rPr>
+              <a:t>${sqoop_home}/lib</a:t>
+            </a:r>
+            <a:r>
+              <a:rPr lang="zh-CN" altLang="en-US" sz="2400" smtClean="0">
+                <a:latin typeface="+mj-lt"/>
+              </a:rPr>
+              <a:t>下</a:t>
+            </a:r>
+            <a:r>
+              <a:rPr lang="en-US" altLang="zh-CN" sz="2400" smtClean="0">
+                <a:latin typeface="+mj-lt"/>
+              </a:rPr>
+              <a:t/>
+            </a:r>
+            <a:br>
+              <a:rPr lang="en-US" altLang="zh-CN" sz="2400" smtClean="0">
+                <a:latin typeface="+mj-lt"/>
+              </a:rPr>
+            </a:br>
+            <a:r>
+              <a:rPr lang="zh-CN" altLang="en-US" sz="2400" smtClean="0">
+                <a:latin typeface="+mj-lt"/>
+              </a:rPr>
+              <a:t>不兼容的原因</a:t>
+            </a:r>
+            <a:endParaRPr lang="en-US" altLang="zh-CN" sz="1600">
+              <a:latin typeface="+mj-lt"/>
+            </a:endParaRPr>
           </a:p>
         </p:txBody>
       </p:sp>
@@ -13566,8 +14841,16 @@
           <a:lstStyle/>
           <a:p>
             <a:r>
+              <a:rPr lang="en-US" altLang="zh-CN" dirty="0" err="1" smtClean="0"/>
+              <a:t>Sqoop</a:t>
+            </a:r>
+            <a:r>
               <a:rPr lang="en-US" altLang="zh-CN" dirty="0" smtClean="0"/>
-              <a:t>SQOOP JOB</a:t>
+              <a:t> Server</a:t>
+            </a:r>
+            <a:r>
+              <a:rPr lang="zh-CN" altLang="en-US" dirty="0" smtClean="0"/>
+              <a:t>安装</a:t>
             </a:r>
             <a:endParaRPr lang="zh-CN" altLang="en-US" dirty="0"/>
           </a:p>
@@ -13576,17 +14859,24 @@
     </p:spTree>
     <p:extLst>
       <p:ext uri="{BB962C8B-B14F-4D97-AF65-F5344CB8AC3E}">
-        <p14:creationId xmlns:p14="http://schemas.microsoft.com/office/powerpoint/2010/main" val="2237619643"/>
+        <p14:creationId xmlns:p14="http://schemas.microsoft.com/office/powerpoint/2010/main" val="3834602566"/>
       </p:ext>
     </p:extLst>
   </p:cSld>
   <p:clrMapOvr>
     <a:masterClrMapping/>
   </p:clrMapOvr>
+  <p:timing>
+    <p:tnLst>
+      <p:par>
+        <p:cTn id="1" dur="indefinite" restart="never" nodeType="tmRoot"/>
+      </p:par>
+    </p:tnLst>
+  </p:timing>
 </p:sld>
 </file>
 
-<file path=ppt/slides/slide56.xml><?xml version="1.0" encoding="utf-8"?>
+<file path=ppt/slides/slide60.xml><?xml version="1.0" encoding="utf-8"?>
 <p:sld xmlns:a="http://schemas.openxmlformats.org/drawingml/2006/main" xmlns:r="http://schemas.openxmlformats.org/officeDocument/2006/relationships" xmlns:p="http://schemas.openxmlformats.org/presentationml/2006/main">
   <p:cSld>
     <p:spTree>
@@ -13620,24 +14910,11 @@
           <a:p>
             <a:r>
               <a:rPr lang="en-US" altLang="zh-CN" sz="2800" dirty="0" smtClean="0"/>
-              <a:t>Sharing the </a:t>
-            </a:r>
-            <a:r>
-              <a:rPr lang="en-US" altLang="zh-CN" sz="2800" dirty="0" err="1" smtClean="0"/>
-              <a:t>Metastore</a:t>
-            </a:r>
-            <a:r>
-              <a:rPr lang="en-US" altLang="zh-CN" sz="2800" dirty="0" smtClean="0"/>
-              <a:t> Between </a:t>
-            </a:r>
-            <a:r>
-              <a:rPr lang="en-US" altLang="zh-CN" sz="2800" dirty="0" err="1" smtClean="0"/>
-              <a:t>Sqoop</a:t>
-            </a:r>
-            <a:r>
-              <a:rPr lang="en-US" altLang="zh-CN" sz="2800" dirty="0" smtClean="0"/>
-              <a:t> Clients</a:t>
-            </a:r>
+              <a:t>Overriding the Arguments to a Saved Job</a:t>
+            </a:r>
+          </a:p>
+          <a:p>
+            <a:endParaRPr lang="en-US" altLang="zh-CN" sz="2800" dirty="0"/>
           </a:p>
           <a:p>
             <a:pPr marL="457200" lvl="1" indent="0">
@@ -13649,77 +14926,7 @@
             </a:r>
             <a:r>
               <a:rPr lang="en-US" altLang="zh-CN" sz="2400" dirty="0"/>
-              <a:t> job</a:t>
-            </a:r>
-          </a:p>
-          <a:p>
-            <a:pPr marL="457200" lvl="1" indent="0">
-              <a:buNone/>
-            </a:pPr>
-            <a:r>
-              <a:rPr lang="en-US" altLang="zh-CN" sz="2400" dirty="0"/>
-              <a:t>--create visits \</a:t>
-            </a:r>
-          </a:p>
-          <a:p>
-            <a:pPr marL="457200" lvl="1" indent="0">
-              <a:buNone/>
-            </a:pPr>
-            <a:r>
-              <a:rPr lang="en-US" altLang="zh-CN" sz="2400" dirty="0"/>
-              <a:t>--meta-connect </a:t>
-            </a:r>
-            <a:r>
-              <a:rPr lang="en-US" altLang="zh-CN" sz="2400" dirty="0" err="1"/>
-              <a:t>jdbc:hsqldb:hsql</a:t>
-            </a:r>
-            <a:r>
-              <a:rPr lang="en-US" altLang="zh-CN" sz="2400" dirty="0"/>
-              <a:t>://metastore.example.com:16000/</a:t>
-            </a:r>
-            <a:r>
-              <a:rPr lang="en-US" altLang="zh-CN" sz="2400" dirty="0" err="1"/>
-              <a:t>sqoop</a:t>
-            </a:r>
-            <a:r>
-              <a:rPr lang="en-US" altLang="zh-CN" sz="2400" dirty="0"/>
-              <a:t> \</a:t>
-            </a:r>
-          </a:p>
-          <a:p>
-            <a:pPr marL="457200" lvl="1" indent="0">
-              <a:buNone/>
-            </a:pPr>
-            <a:r>
-              <a:rPr lang="en-US" altLang="zh-CN" sz="2400" dirty="0"/>
-              <a:t>-- \</a:t>
-            </a:r>
-          </a:p>
-          <a:p>
-            <a:pPr marL="457200" lvl="1" indent="0">
-              <a:buNone/>
-            </a:pPr>
-            <a:r>
-              <a:rPr lang="en-US" altLang="zh-CN" sz="2400" dirty="0"/>
-              <a:t>import \</a:t>
-            </a:r>
-          </a:p>
-          <a:p>
-            <a:pPr marL="457200" lvl="1" indent="0">
-              <a:buNone/>
-            </a:pPr>
-            <a:r>
-              <a:rPr lang="en-US" altLang="zh-CN" sz="2400" dirty="0"/>
-              <a:t>--table visits</a:t>
-            </a:r>
-          </a:p>
-          <a:p>
-            <a:pPr marL="457200" lvl="1" indent="0">
-              <a:buNone/>
-            </a:pPr>
-            <a:r>
-              <a:rPr lang="en-US" altLang="zh-CN" sz="2400" dirty="0"/>
-              <a:t>...</a:t>
+              <a:t> job --exec visits -- --verbose</a:t>
             </a:r>
             <a:endParaRPr lang="zh-CN" altLang="en-US" sz="2400" dirty="0"/>
           </a:p>
@@ -13751,7 +14958,7 @@
     </p:spTree>
     <p:extLst>
       <p:ext uri="{BB962C8B-B14F-4D97-AF65-F5344CB8AC3E}">
-        <p14:creationId xmlns:p14="http://schemas.microsoft.com/office/powerpoint/2010/main" val="4020425701"/>
+        <p14:creationId xmlns:p14="http://schemas.microsoft.com/office/powerpoint/2010/main" val="2237619643"/>
       </p:ext>
     </p:extLst>
   </p:cSld>
@@ -13761,7 +14968,7 @@
 </p:sld>
 </file>
 
-<file path=ppt/slides/slide57.xml><?xml version="1.0" encoding="utf-8"?>
+<file path=ppt/slides/slide61.xml><?xml version="1.0" encoding="utf-8"?>
 <p:sld xmlns:a="http://schemas.openxmlformats.org/drawingml/2006/main" xmlns:r="http://schemas.openxmlformats.org/officeDocument/2006/relationships" xmlns:p="http://schemas.openxmlformats.org/presentationml/2006/main">
   <p:cSld>
     <p:spTree>
@@ -13794,100 +15001,109 @@
           <a:lstStyle/>
           <a:p>
             <a:r>
-              <a:rPr lang="en-US" altLang="zh-CN" sz="2800" dirty="0"/>
-              <a:t>-</a:t>
+              <a:rPr lang="en-US" altLang="zh-CN" sz="2800" dirty="0" smtClean="0"/>
+              <a:t>Sharing the </a:t>
             </a:r>
             <a:r>
               <a:rPr lang="en-US" altLang="zh-CN" sz="2800" dirty="0" err="1" smtClean="0"/>
-              <a:t>codegen</a:t>
-            </a:r>
-            <a:r>
-              <a:rPr lang="zh-CN" altLang="en-US" sz="2800" dirty="0" smtClean="0"/>
-              <a:t>自动生成</a:t>
+              <a:t>Metastore</a:t>
             </a:r>
             <a:r>
               <a:rPr lang="en-US" altLang="zh-CN" sz="2800" dirty="0" smtClean="0"/>
-              <a:t>DAO</a:t>
-            </a:r>
-            <a:r>
-              <a:rPr lang="zh-CN" altLang="en-US" sz="2800" dirty="0" smtClean="0"/>
-              <a:t>类。语法：</a:t>
-            </a:r>
-            <a:endParaRPr lang="en-US" altLang="zh-CN" sz="2800" dirty="0" smtClean="0"/>
-          </a:p>
-          <a:p>
-            <a:pPr marL="457200" lvl="1" indent="0">
-              <a:buNone/>
-            </a:pPr>
-            <a:r>
-              <a:rPr lang="en-US" altLang="zh-CN" sz="2400" dirty="0"/>
-              <a:t>$ </a:t>
-            </a:r>
+              <a:t> Between </a:t>
+            </a:r>
+            <a:r>
+              <a:rPr lang="en-US" altLang="zh-CN" sz="2800" dirty="0" err="1" smtClean="0"/>
+              <a:t>Sqoop</a:t>
+            </a:r>
+            <a:r>
+              <a:rPr lang="en-US" altLang="zh-CN" sz="2800" dirty="0" smtClean="0"/>
+              <a:t> Clients</a:t>
+            </a:r>
+          </a:p>
+          <a:p>
+            <a:pPr marL="457200" lvl="1" indent="0">
+              <a:buNone/>
+            </a:pPr>
             <a:r>
               <a:rPr lang="en-US" altLang="zh-CN" sz="2400" dirty="0" err="1"/>
               <a:t>sqoop</a:t>
             </a:r>
             <a:r>
               <a:rPr lang="en-US" altLang="zh-CN" sz="2400" dirty="0"/>
-              <a:t> </a:t>
+              <a:t> job</a:t>
+            </a:r>
+          </a:p>
+          <a:p>
+            <a:pPr marL="457200" lvl="1" indent="0">
+              <a:buNone/>
+            </a:pPr>
+            <a:r>
+              <a:rPr lang="en-US" altLang="zh-CN" sz="2400" dirty="0"/>
+              <a:t>--create visits \</a:t>
+            </a:r>
+          </a:p>
+          <a:p>
+            <a:pPr marL="457200" lvl="1" indent="0">
+              <a:buNone/>
+            </a:pPr>
+            <a:r>
+              <a:rPr lang="en-US" altLang="zh-CN" sz="2400" dirty="0"/>
+              <a:t>--meta-connect </a:t>
             </a:r>
             <a:r>
               <a:rPr lang="en-US" altLang="zh-CN" sz="2400" dirty="0" err="1"/>
-              <a:t>codegen</a:t>
-            </a:r>
-            <a:r>
-              <a:rPr lang="en-US" altLang="zh-CN" sz="2400" dirty="0"/>
-              <a:t> (generic-</a:t>
+              <a:t>jdbc:hsqldb:hsql</a:t>
+            </a:r>
+            <a:r>
+              <a:rPr lang="en-US" altLang="zh-CN" sz="2400" dirty="0"/>
+              <a:t>://metastore.example.com:16000/</a:t>
             </a:r>
             <a:r>
               <a:rPr lang="en-US" altLang="zh-CN" sz="2400" dirty="0" err="1"/>
-              <a:t>args</a:t>
-            </a:r>
-            <a:r>
-              <a:rPr lang="en-US" altLang="zh-CN" sz="2400" dirty="0"/>
-              <a:t>) (</a:t>
-            </a:r>
-            <a:r>
-              <a:rPr lang="en-US" altLang="zh-CN" sz="2400" dirty="0" err="1"/>
-              <a:t>codegen-args</a:t>
-            </a:r>
-            <a:r>
-              <a:rPr lang="en-US" altLang="zh-CN" sz="2400" dirty="0"/>
-              <a:t>) </a:t>
-            </a:r>
-          </a:p>
-          <a:p>
-            <a:pPr marL="457200" lvl="1" indent="0">
-              <a:buNone/>
-            </a:pPr>
-            <a:r>
-              <a:rPr lang="en-US" altLang="zh-CN" sz="2400" dirty="0"/>
-              <a:t>$ </a:t>
-            </a:r>
-            <a:r>
-              <a:rPr lang="en-US" altLang="zh-CN" sz="2400" dirty="0" err="1"/>
-              <a:t>sqoop-codegen</a:t>
-            </a:r>
-            <a:r>
-              <a:rPr lang="en-US" altLang="zh-CN" sz="2400" dirty="0"/>
-              <a:t> (generic-</a:t>
-            </a:r>
-            <a:r>
-              <a:rPr lang="en-US" altLang="zh-CN" sz="2400" dirty="0" err="1"/>
-              <a:t>args</a:t>
-            </a:r>
-            <a:r>
-              <a:rPr lang="en-US" altLang="zh-CN" sz="2400" dirty="0"/>
-              <a:t>) (</a:t>
-            </a:r>
-            <a:r>
-              <a:rPr lang="en-US" altLang="zh-CN" sz="2400" dirty="0" err="1"/>
-              <a:t>codegen-args</a:t>
-            </a:r>
-            <a:r>
-              <a:rPr lang="en-US" altLang="zh-CN" sz="2400" dirty="0" smtClean="0"/>
-              <a:t>)</a:t>
-            </a:r>
+              <a:t>sqoop</a:t>
+            </a:r>
+            <a:r>
+              <a:rPr lang="en-US" altLang="zh-CN" sz="2400" dirty="0"/>
+              <a:t> \</a:t>
+            </a:r>
+          </a:p>
+          <a:p>
+            <a:pPr marL="457200" lvl="1" indent="0">
+              <a:buNone/>
+            </a:pPr>
+            <a:r>
+              <a:rPr lang="en-US" altLang="zh-CN" sz="2400" dirty="0"/>
+              <a:t>-- \</a:t>
+            </a:r>
+          </a:p>
+          <a:p>
+            <a:pPr marL="457200" lvl="1" indent="0">
+              <a:buNone/>
+            </a:pPr>
+            <a:r>
+              <a:rPr lang="en-US" altLang="zh-CN" sz="2400" dirty="0"/>
+              <a:t>import \</a:t>
+            </a:r>
+          </a:p>
+          <a:p>
+            <a:pPr marL="457200" lvl="1" indent="0">
+              <a:buNone/>
+            </a:pPr>
+            <a:r>
+              <a:rPr lang="en-US" altLang="zh-CN" sz="2400" dirty="0"/>
+              <a:t>--table visits</a:t>
+            </a:r>
+          </a:p>
+          <a:p>
+            <a:pPr marL="457200" lvl="1" indent="0">
+              <a:buNone/>
+            </a:pPr>
+            <a:r>
+              <a:rPr lang="en-US" altLang="zh-CN" sz="2400" dirty="0"/>
+              <a:t>...</a:t>
+            </a:r>
+            <a:endParaRPr lang="zh-CN" altLang="en-US" sz="2400" dirty="0"/>
           </a:p>
         </p:txBody>
       </p:sp>
@@ -13907,6 +15123,172 @@
           <a:lstStyle/>
           <a:p>
             <a:r>
+              <a:rPr lang="en-US" altLang="zh-CN" dirty="0" smtClean="0"/>
+              <a:t>SQOOP JOB</a:t>
+            </a:r>
+            <a:endParaRPr lang="zh-CN" altLang="en-US" dirty="0"/>
+          </a:p>
+        </p:txBody>
+      </p:sp>
+    </p:spTree>
+    <p:extLst>
+      <p:ext uri="{BB962C8B-B14F-4D97-AF65-F5344CB8AC3E}">
+        <p14:creationId xmlns:p14="http://schemas.microsoft.com/office/powerpoint/2010/main" val="4020425701"/>
+      </p:ext>
+    </p:extLst>
+  </p:cSld>
+  <p:clrMapOvr>
+    <a:masterClrMapping/>
+  </p:clrMapOvr>
+</p:sld>
+</file>
+
+<file path=ppt/slides/slide62.xml><?xml version="1.0" encoding="utf-8"?>
+<p:sld xmlns:a="http://schemas.openxmlformats.org/drawingml/2006/main" xmlns:r="http://schemas.openxmlformats.org/officeDocument/2006/relationships" xmlns:p="http://schemas.openxmlformats.org/presentationml/2006/main">
+  <p:cSld>
+    <p:spTree>
+      <p:nvGrpSpPr>
+        <p:cNvPr id="1" name=""/>
+        <p:cNvGrpSpPr/>
+        <p:nvPr/>
+      </p:nvGrpSpPr>
+      <p:grpSpPr>
+        <a:xfrm>
+          <a:off x="0" y="0"/>
+          <a:ext cx="0" cy="0"/>
+          <a:chOff x="0" y="0"/>
+          <a:chExt cx="0" cy="0"/>
+        </a:xfrm>
+      </p:grpSpPr>
+      <p:sp>
+        <p:nvSpPr>
+          <p:cNvPr id="2" name="内容占位符 1"/>
+          <p:cNvSpPr>
+            <a:spLocks noGrp="1"/>
+          </p:cNvSpPr>
+          <p:nvPr>
+            <p:ph sz="quarter" idx="10"/>
+          </p:nvPr>
+        </p:nvSpPr>
+        <p:spPr/>
+        <p:txBody>
+          <a:bodyPr/>
+          <a:lstStyle/>
+          <a:p>
+            <a:r>
+              <a:rPr lang="en-US" altLang="zh-CN" sz="2800" dirty="0"/>
+              <a:t>-</a:t>
+            </a:r>
+            <a:r>
+              <a:rPr lang="en-US" altLang="zh-CN" sz="2800" dirty="0" err="1" smtClean="0"/>
+              <a:t>codegen</a:t>
+            </a:r>
+            <a:r>
+              <a:rPr lang="zh-CN" altLang="en-US" sz="2800" dirty="0" smtClean="0"/>
+              <a:t>自动生成</a:t>
+            </a:r>
+            <a:r>
+              <a:rPr lang="en-US" altLang="zh-CN" sz="2800" dirty="0" smtClean="0"/>
+              <a:t>DAO</a:t>
+            </a:r>
+            <a:r>
+              <a:rPr lang="zh-CN" altLang="en-US" sz="2800" dirty="0" smtClean="0"/>
+              <a:t>类。语法：</a:t>
+            </a:r>
+            <a:endParaRPr lang="en-US" altLang="zh-CN" sz="2800" dirty="0" smtClean="0"/>
+          </a:p>
+          <a:p>
+            <a:pPr marL="457200" lvl="1" indent="0">
+              <a:buNone/>
+            </a:pPr>
+            <a:r>
+              <a:rPr lang="en-US" altLang="zh-CN" sz="2400" dirty="0"/>
+              <a:t>$ </a:t>
+            </a:r>
+            <a:r>
+              <a:rPr lang="en-US" altLang="zh-CN" sz="2400" dirty="0" err="1"/>
+              <a:t>sqoop</a:t>
+            </a:r>
+            <a:r>
+              <a:rPr lang="en-US" altLang="zh-CN" sz="2400" dirty="0"/>
+              <a:t> </a:t>
+            </a:r>
+            <a:r>
+              <a:rPr lang="en-US" altLang="zh-CN" sz="2400" dirty="0" err="1"/>
+              <a:t>codegen</a:t>
+            </a:r>
+            <a:r>
+              <a:rPr lang="en-US" altLang="zh-CN" sz="2400" dirty="0"/>
+              <a:t> (generic-</a:t>
+            </a:r>
+            <a:r>
+              <a:rPr lang="en-US" altLang="zh-CN" sz="2400" dirty="0" err="1"/>
+              <a:t>args</a:t>
+            </a:r>
+            <a:r>
+              <a:rPr lang="en-US" altLang="zh-CN" sz="2400" dirty="0"/>
+              <a:t>) (</a:t>
+            </a:r>
+            <a:r>
+              <a:rPr lang="en-US" altLang="zh-CN" sz="2400" dirty="0" err="1"/>
+              <a:t>codegen-args</a:t>
+            </a:r>
+            <a:r>
+              <a:rPr lang="en-US" altLang="zh-CN" sz="2400" dirty="0"/>
+              <a:t>) </a:t>
+            </a:r>
+          </a:p>
+          <a:p>
+            <a:pPr marL="457200" lvl="1" indent="0">
+              <a:buNone/>
+            </a:pPr>
+            <a:r>
+              <a:rPr lang="en-US" altLang="zh-CN" sz="2400" dirty="0"/>
+              <a:t>$ </a:t>
+            </a:r>
+            <a:r>
+              <a:rPr lang="en-US" altLang="zh-CN" sz="2400" dirty="0" err="1"/>
+              <a:t>sqoop-codegen</a:t>
+            </a:r>
+            <a:r>
+              <a:rPr lang="en-US" altLang="zh-CN" sz="2400" dirty="0"/>
+              <a:t> (generic-</a:t>
+            </a:r>
+            <a:r>
+              <a:rPr lang="en-US" altLang="zh-CN" sz="2400" dirty="0" err="1"/>
+              <a:t>args</a:t>
+            </a:r>
+            <a:r>
+              <a:rPr lang="en-US" altLang="zh-CN" sz="2400" dirty="0"/>
+              <a:t>) (</a:t>
+            </a:r>
+            <a:r>
+              <a:rPr lang="en-US" altLang="zh-CN" sz="2400" dirty="0" err="1"/>
+              <a:t>codegen-args</a:t>
+            </a:r>
+            <a:r>
+              <a:rPr lang="en-US" altLang="zh-CN" sz="2400" dirty="0" smtClean="0"/>
+              <a:t>)</a:t>
+            </a:r>
+          </a:p>
+        </p:txBody>
+      </p:sp>
+      <p:sp>
+        <p:nvSpPr>
+          <p:cNvPr id="3" name="标题 2"/>
+          <p:cNvSpPr>
+            <a:spLocks noGrp="1"/>
+          </p:cNvSpPr>
+          <p:nvPr>
+            <p:ph type="title"/>
+          </p:nvPr>
+        </p:nvSpPr>
+        <p:spPr/>
+        <p:txBody>
+          <a:bodyPr/>
+          <a:lstStyle/>
+          <a:p>
+            <a:r>
               <a:rPr lang="en-US" altLang="zh-CN" dirty="0"/>
               <a:t>CODEGEN</a:t>
             </a:r>
@@ -13927,7 +15309,7 @@
 </p:sld>
 </file>
 
-<file path=ppt/slides/slide58.xml><?xml version="1.0" encoding="utf-8"?>
+<file path=ppt/slides/slide63.xml><?xml version="1.0" encoding="utf-8"?>
 <p:sld xmlns:a="http://schemas.openxmlformats.org/drawingml/2006/main" xmlns:r="http://schemas.openxmlformats.org/officeDocument/2006/relationships" xmlns:p="http://schemas.openxmlformats.org/presentationml/2006/main">
   <p:cSld>
     <p:spTree>
@@ -14158,7 +15540,7 @@
 </p:sld>
 </file>
 
-<file path=ppt/slides/slide59.xml><?xml version="1.0" encoding="utf-8"?>
+<file path=ppt/slides/slide64.xml><?xml version="1.0" encoding="utf-8"?>
 <p:sld xmlns:a="http://schemas.openxmlformats.org/drawingml/2006/main" xmlns:r="http://schemas.openxmlformats.org/officeDocument/2006/relationships" xmlns:p="http://schemas.openxmlformats.org/presentationml/2006/main">
   <p:cSld>
     <p:spTree>
@@ -14320,251 +15702,7 @@
 </p:sld>
 </file>
 
-<file path=ppt/slides/slide6.xml><?xml version="1.0" encoding="utf-8"?>
-<p:sld xmlns:a="http://schemas.openxmlformats.org/drawingml/2006/main" xmlns:r="http://schemas.openxmlformats.org/officeDocument/2006/relationships" xmlns:p="http://schemas.openxmlformats.org/presentationml/2006/main">
-  <p:cSld>
-    <p:spTree>
-      <p:nvGrpSpPr>
-        <p:cNvPr id="1" name=""/>
-        <p:cNvGrpSpPr/>
-        <p:nvPr/>
-      </p:nvGrpSpPr>
-      <p:grpSpPr>
-        <a:xfrm>
-          <a:off x="0" y="0"/>
-          <a:ext cx="0" cy="0"/>
-          <a:chOff x="0" y="0"/>
-          <a:chExt cx="0" cy="0"/>
-        </a:xfrm>
-      </p:grpSpPr>
-      <p:sp>
-        <p:nvSpPr>
-          <p:cNvPr id="2" name="内容占位符 1"/>
-          <p:cNvSpPr>
-            <a:spLocks noGrp="1"/>
-          </p:cNvSpPr>
-          <p:nvPr>
-            <p:ph sz="quarter" idx="10"/>
-          </p:nvPr>
-        </p:nvSpPr>
-        <p:spPr/>
-        <p:txBody>
-          <a:bodyPr/>
-          <a:lstStyle/>
-          <a:p>
-            <a:r>
-              <a:rPr lang="zh-CN" altLang="en-US" sz="2800" smtClean="0">
-                <a:latin typeface="+mj-lt"/>
-              </a:rPr>
-              <a:t>安装依赖</a:t>
-            </a:r>
-            <a:endParaRPr lang="en-US" altLang="zh-CN" sz="2800" smtClean="0">
-              <a:latin typeface="+mj-lt"/>
-            </a:endParaRPr>
-          </a:p>
-          <a:p>
-            <a:pPr lvl="1"/>
-            <a:r>
-              <a:rPr lang="en-US" altLang="zh-CN" sz="2400" smtClean="0">
-                <a:latin typeface="+mj-lt"/>
-              </a:rPr>
-              <a:t>hadoop</a:t>
-            </a:r>
-            <a:r>
-              <a:rPr lang="zh-CN" altLang="en-US" sz="2400" smtClean="0">
-                <a:latin typeface="+mj-lt"/>
-              </a:rPr>
-              <a:t>的类库必须在</a:t>
-            </a:r>
-            <a:r>
-              <a:rPr lang="en-US" altLang="zh-CN" sz="2400" smtClean="0">
-                <a:latin typeface="+mj-lt"/>
-              </a:rPr>
-              <a:t>Server</a:t>
-            </a:r>
-            <a:r>
-              <a:rPr lang="zh-CN" altLang="en-US" sz="2400" smtClean="0">
-                <a:latin typeface="+mj-lt"/>
-              </a:rPr>
-              <a:t>上可用，而且配置了</a:t>
-            </a:r>
-            <a:r>
-              <a:rPr lang="en-US" altLang="zh-CN" sz="2400" smtClean="0">
-                <a:latin typeface="+mj-lt"/>
-              </a:rPr>
-              <a:t>Namenode</a:t>
-            </a:r>
-            <a:r>
-              <a:rPr lang="zh-CN" altLang="en-US" sz="2400" smtClean="0">
-                <a:latin typeface="+mj-lt"/>
-              </a:rPr>
-              <a:t>和</a:t>
-            </a:r>
-            <a:r>
-              <a:rPr lang="en-US" altLang="zh-CN" sz="2400" smtClean="0">
-                <a:latin typeface="+mj-lt"/>
-              </a:rPr>
-              <a:t>ResourceManager</a:t>
-            </a:r>
-            <a:r>
-              <a:rPr lang="zh-CN" altLang="en-US" sz="2400" smtClean="0">
-                <a:latin typeface="+mj-lt"/>
-              </a:rPr>
-              <a:t>等主要服务。不需要启动服务，主要类库和配置正确即可。</a:t>
-            </a:r>
-            <a:endParaRPr lang="en-US" altLang="zh-CN" sz="2400">
-              <a:latin typeface="+mj-lt"/>
-            </a:endParaRPr>
-          </a:p>
-          <a:p>
-            <a:pPr lvl="1"/>
-            <a:r>
-              <a:rPr lang="en-US" altLang="zh-CN" sz="2400" smtClean="0">
-                <a:latin typeface="+mj-lt"/>
-              </a:rPr>
-              <a:t>${sqoop_home}/server/conf/catalina.properties</a:t>
-            </a:r>
-            <a:r>
-              <a:rPr lang="zh-CN" altLang="en-US" sz="2400" smtClean="0">
-                <a:latin typeface="+mj-lt"/>
-              </a:rPr>
-              <a:t>文件中包含了</a:t>
-            </a:r>
-            <a:r>
-              <a:rPr lang="en-US" altLang="zh-CN" sz="2400" smtClean="0">
-                <a:latin typeface="+mj-lt"/>
-              </a:rPr>
-              <a:t>hadoop</a:t>
-            </a:r>
-            <a:r>
-              <a:rPr lang="zh-CN" altLang="en-US" sz="2400" smtClean="0">
-                <a:latin typeface="+mj-lt"/>
-              </a:rPr>
-              <a:t>库路径信息，可以修改</a:t>
-            </a:r>
-            <a:r>
-              <a:rPr lang="en-US" altLang="zh-CN" sz="2400" smtClean="0">
-                <a:latin typeface="+mj-lt"/>
-              </a:rPr>
-              <a:t>common.loader</a:t>
-            </a:r>
-            <a:r>
-              <a:rPr lang="zh-CN" altLang="en-US" sz="2400" smtClean="0">
-                <a:latin typeface="+mj-lt"/>
-              </a:rPr>
-              <a:t>属性进行修改。指定</a:t>
-            </a:r>
-            <a:r>
-              <a:rPr lang="en-US" altLang="zh-CN" sz="2400" smtClean="0">
-                <a:latin typeface="+mj-lt"/>
-              </a:rPr>
-              <a:t>hadoop</a:t>
-            </a:r>
-            <a:r>
-              <a:rPr lang="zh-CN" altLang="en-US" sz="2400" smtClean="0">
-                <a:latin typeface="+mj-lt"/>
-              </a:rPr>
-              <a:t>的所有库路径。</a:t>
-            </a:r>
-            <a:endParaRPr lang="en-US" altLang="zh-CN" sz="2400">
-              <a:latin typeface="+mj-lt"/>
-            </a:endParaRPr>
-          </a:p>
-          <a:p>
-            <a:pPr lvl="1"/>
-            <a:r>
-              <a:rPr lang="zh-CN" altLang="en-US" sz="2400" smtClean="0">
-                <a:latin typeface="+mj-lt"/>
-              </a:rPr>
-              <a:t>安装驱动包到</a:t>
-            </a:r>
-            <a:r>
-              <a:rPr lang="en-US" altLang="zh-CN" sz="2400" smtClean="0">
-                <a:latin typeface="+mj-lt"/>
-              </a:rPr>
-              <a:t>${sqoop_home}/lib</a:t>
-            </a:r>
-            <a:r>
-              <a:rPr lang="zh-CN" altLang="en-US" sz="2400" smtClean="0">
-                <a:latin typeface="+mj-lt"/>
-              </a:rPr>
-              <a:t>下</a:t>
-            </a:r>
-            <a:r>
-              <a:rPr lang="en-US" altLang="zh-CN" sz="2400" smtClean="0">
-                <a:latin typeface="+mj-lt"/>
-              </a:rPr>
-              <a:t/>
-            </a:r>
-            <a:br>
-              <a:rPr lang="en-US" altLang="zh-CN" sz="2400" smtClean="0">
-                <a:latin typeface="+mj-lt"/>
-              </a:rPr>
-            </a:br>
-            <a:r>
-              <a:rPr lang="zh-CN" altLang="en-US" sz="2400" smtClean="0">
-                <a:latin typeface="+mj-lt"/>
-              </a:rPr>
-              <a:t>不兼容的原因</a:t>
-            </a:r>
-            <a:endParaRPr lang="en-US" altLang="zh-CN" sz="1600">
-              <a:latin typeface="+mj-lt"/>
-            </a:endParaRPr>
-          </a:p>
-        </p:txBody>
-      </p:sp>
-      <p:sp>
-        <p:nvSpPr>
-          <p:cNvPr id="3" name="标题 2"/>
-          <p:cNvSpPr>
-            <a:spLocks noGrp="1"/>
-          </p:cNvSpPr>
-          <p:nvPr>
-            <p:ph type="title"/>
-          </p:nvPr>
-        </p:nvSpPr>
-        <p:spPr/>
-        <p:txBody>
-          <a:bodyPr/>
-          <a:lstStyle/>
-          <a:p>
-            <a:r>
-              <a:rPr lang="en-US" altLang="zh-CN" dirty="0" err="1" smtClean="0"/>
-              <a:t>Sqoop</a:t>
-            </a:r>
-            <a:r>
-              <a:rPr lang="en-US" altLang="zh-CN" dirty="0" smtClean="0"/>
-              <a:t> Server</a:t>
-            </a:r>
-            <a:r>
-              <a:rPr lang="zh-CN" altLang="en-US" dirty="0" smtClean="0"/>
-              <a:t>安装</a:t>
-            </a:r>
-            <a:endParaRPr lang="zh-CN" altLang="en-US" dirty="0"/>
-          </a:p>
-        </p:txBody>
-      </p:sp>
-    </p:spTree>
-    <p:extLst>
-      <p:ext uri="{BB962C8B-B14F-4D97-AF65-F5344CB8AC3E}">
-        <p14:creationId xmlns:p14="http://schemas.microsoft.com/office/powerpoint/2010/main" val="3834602566"/>
-      </p:ext>
-    </p:extLst>
-  </p:cSld>
-  <p:clrMapOvr>
-    <a:masterClrMapping/>
-  </p:clrMapOvr>
-  <p:timing>
-    <p:tnLst>
-      <p:par>
-        <p:cTn id="1" dur="indefinite" restart="never" nodeType="tmRoot"/>
-      </p:par>
-    </p:tnLst>
-  </p:timing>
-</p:sld>
-</file>
-
-<file path=ppt/slides/slide60.xml><?xml version="1.0" encoding="utf-8"?>
+<file path=ppt/slides/slide65.xml><?xml version="1.0" encoding="utf-8"?>
 <p:sld xmlns:a="http://schemas.openxmlformats.org/drawingml/2006/main" xmlns:r="http://schemas.openxmlformats.org/officeDocument/2006/relationships" xmlns:p="http://schemas.openxmlformats.org/presentationml/2006/main">
   <p:cSld>
     <p:spTree>
@@ -14771,7 +15909,7 @@
 </p:sld>
 </file>
 
-<file path=ppt/slides/slide61.xml><?xml version="1.0" encoding="utf-8"?>
+<file path=ppt/slides/slide66.xml><?xml version="1.0" encoding="utf-8"?>
 <p:sld xmlns:a="http://schemas.openxmlformats.org/drawingml/2006/main" xmlns:r="http://schemas.openxmlformats.org/officeDocument/2006/relationships" xmlns:p="http://schemas.openxmlformats.org/presentationml/2006/main">
   <p:cSld>
     <p:spTree>
@@ -14978,7 +16116,7 @@
 </p:sld>
 </file>
 
-<file path=ppt/slides/slide62.xml><?xml version="1.0" encoding="utf-8"?>
+<file path=ppt/slides/slide67.xml><?xml version="1.0" encoding="utf-8"?>
 <p:sld xmlns:a="http://schemas.openxmlformats.org/drawingml/2006/main" xmlns:r="http://schemas.openxmlformats.org/officeDocument/2006/relationships" xmlns:p="http://schemas.openxmlformats.org/presentationml/2006/main">
   <p:cSld>
     <p:spTree>
@@ -15251,7 +16389,7 @@
 </p:sld>
 </file>
 
-<file path=ppt/slides/slide63.xml><?xml version="1.0" encoding="utf-8"?>
+<file path=ppt/slides/slide68.xml><?xml version="1.0" encoding="utf-8"?>
 <p:sld xmlns:a="http://schemas.openxmlformats.org/drawingml/2006/main" xmlns:r="http://schemas.openxmlformats.org/officeDocument/2006/relationships" xmlns:p="http://schemas.openxmlformats.org/presentationml/2006/main">
   <p:cSld>
     <p:spTree>
@@ -15536,6 +16674,183 @@
 </p:sld>
 </file>
 
+<file path=ppt/slides/slide69.xml><?xml version="1.0" encoding="utf-8"?>
+<p:sld xmlns:a="http://schemas.openxmlformats.org/drawingml/2006/main" xmlns:r="http://schemas.openxmlformats.org/officeDocument/2006/relationships" xmlns:p="http://schemas.openxmlformats.org/presentationml/2006/main">
+  <p:cSld>
+    <p:spTree>
+      <p:nvGrpSpPr>
+        <p:cNvPr id="1" name=""/>
+        <p:cNvGrpSpPr/>
+        <p:nvPr/>
+      </p:nvGrpSpPr>
+      <p:grpSpPr>
+        <a:xfrm>
+          <a:off x="0" y="0"/>
+          <a:ext cx="0" cy="0"/>
+          <a:chOff x="0" y="0"/>
+          <a:chExt cx="0" cy="0"/>
+        </a:xfrm>
+      </p:grpSpPr>
+      <p:sp>
+        <p:nvSpPr>
+          <p:cNvPr id="2" name="内容占位符 1"/>
+          <p:cNvSpPr>
+            <a:spLocks noGrp="1"/>
+          </p:cNvSpPr>
+          <p:nvPr>
+            <p:ph sz="quarter" idx="10"/>
+          </p:nvPr>
+        </p:nvSpPr>
+        <p:spPr/>
+        <p:txBody>
+          <a:bodyPr/>
+          <a:lstStyle/>
+          <a:p>
+            <a:r>
+              <a:rPr lang="zh-CN" altLang="en-US" sz="2800" dirty="0" smtClean="0"/>
+              <a:t>直接将数据导入</a:t>
+            </a:r>
+            <a:r>
+              <a:rPr lang="en-US" altLang="zh-CN" sz="2800" dirty="0" smtClean="0"/>
+              <a:t>Hive</a:t>
+            </a:r>
+            <a:r>
+              <a:rPr lang="zh-CN" altLang="en-US" sz="2800" dirty="0" smtClean="0"/>
+              <a:t>中 </a:t>
+            </a:r>
+            <a:r>
+              <a:rPr lang="en-US" altLang="zh-CN" sz="2800" dirty="0" smtClean="0"/>
+              <a:t>--hive-import</a:t>
+            </a:r>
+          </a:p>
+          <a:p>
+            <a:pPr marL="457200" lvl="1" indent="0">
+              <a:buNone/>
+            </a:pPr>
+            <a:r>
+              <a:rPr lang="en-US" altLang="zh-CN" sz="2200" dirty="0" err="1"/>
+              <a:t>sqoop</a:t>
+            </a:r>
+            <a:r>
+              <a:rPr lang="en-US" altLang="zh-CN" sz="2200" dirty="0"/>
+              <a:t> import \</a:t>
+            </a:r>
+          </a:p>
+          <a:p>
+            <a:pPr marL="457200" lvl="1" indent="0">
+              <a:buNone/>
+            </a:pPr>
+            <a:r>
+              <a:rPr lang="en-US" altLang="zh-CN" sz="2200" dirty="0"/>
+              <a:t>--connect </a:t>
+            </a:r>
+            <a:r>
+              <a:rPr lang="en-US" altLang="zh-CN" sz="2200" dirty="0" err="1"/>
+              <a:t>jdbc:mysql</a:t>
+            </a:r>
+            <a:r>
+              <a:rPr lang="en-US" altLang="zh-CN" sz="2200" dirty="0"/>
+              <a:t>://mysql.example.com/</a:t>
+            </a:r>
+            <a:r>
+              <a:rPr lang="en-US" altLang="zh-CN" sz="2200" dirty="0" err="1"/>
+              <a:t>sqoop</a:t>
+            </a:r>
+            <a:r>
+              <a:rPr lang="en-US" altLang="zh-CN" sz="2200" dirty="0"/>
+              <a:t> \</a:t>
+            </a:r>
+          </a:p>
+          <a:p>
+            <a:pPr marL="457200" lvl="1" indent="0">
+              <a:buNone/>
+            </a:pPr>
+            <a:r>
+              <a:rPr lang="en-US" altLang="zh-CN" sz="2200" dirty="0"/>
+              <a:t>--username </a:t>
+            </a:r>
+            <a:r>
+              <a:rPr lang="en-US" altLang="zh-CN" sz="2200" dirty="0" err="1"/>
+              <a:t>sqoop</a:t>
+            </a:r>
+            <a:r>
+              <a:rPr lang="en-US" altLang="zh-CN" sz="2200" dirty="0"/>
+              <a:t> \</a:t>
+            </a:r>
+          </a:p>
+          <a:p>
+            <a:pPr marL="457200" lvl="1" indent="0">
+              <a:buNone/>
+            </a:pPr>
+            <a:r>
+              <a:rPr lang="en-US" altLang="zh-CN" sz="2200" dirty="0"/>
+              <a:t>--password </a:t>
+            </a:r>
+            <a:r>
+              <a:rPr lang="en-US" altLang="zh-CN" sz="2200" dirty="0" err="1"/>
+              <a:t>sqoop</a:t>
+            </a:r>
+            <a:r>
+              <a:rPr lang="en-US" altLang="zh-CN" sz="2200" dirty="0"/>
+              <a:t> \</a:t>
+            </a:r>
+          </a:p>
+          <a:p>
+            <a:pPr marL="457200" lvl="1" indent="0">
+              <a:buNone/>
+            </a:pPr>
+            <a:r>
+              <a:rPr lang="en-US" altLang="zh-CN" sz="2200" dirty="0"/>
+              <a:t>--table cities \</a:t>
+            </a:r>
+          </a:p>
+          <a:p>
+            <a:pPr marL="457200" lvl="1" indent="0">
+              <a:buNone/>
+            </a:pPr>
+            <a:r>
+              <a:rPr lang="en-US" altLang="zh-CN" sz="2200" dirty="0"/>
+              <a:t>--hive-import</a:t>
+            </a:r>
+          </a:p>
+        </p:txBody>
+      </p:sp>
+      <p:sp>
+        <p:nvSpPr>
+          <p:cNvPr id="3" name="标题 2"/>
+          <p:cNvSpPr>
+            <a:spLocks noGrp="1"/>
+          </p:cNvSpPr>
+          <p:nvPr>
+            <p:ph type="title"/>
+          </p:nvPr>
+        </p:nvSpPr>
+        <p:spPr/>
+        <p:txBody>
+          <a:bodyPr/>
+          <a:lstStyle/>
+          <a:p>
+            <a:r>
+              <a:rPr lang="en-US" altLang="zh-CN" dirty="0" smtClean="0"/>
+              <a:t>Importing Data into Hive</a:t>
+            </a:r>
+            <a:endParaRPr lang="zh-CN" altLang="en-US" dirty="0"/>
+          </a:p>
+        </p:txBody>
+      </p:sp>
+    </p:spTree>
+    <p:extLst>
+      <p:ext uri="{BB962C8B-B14F-4D97-AF65-F5344CB8AC3E}">
+        <p14:creationId xmlns:p14="http://schemas.microsoft.com/office/powerpoint/2010/main" val="2084860497"/>
+      </p:ext>
+    </p:extLst>
+  </p:cSld>
+  <p:clrMapOvr>
+    <a:masterClrMapping/>
+  </p:clrMapOvr>
+</p:sld>
+</file>
+
 <file path=ppt/slides/slide7.xml><?xml version="1.0" encoding="utf-8"?>
 <p:sld xmlns:a="http://schemas.openxmlformats.org/drawingml/2006/main" xmlns:r="http://schemas.openxmlformats.org/officeDocument/2006/relationships" xmlns:p="http://schemas.openxmlformats.org/presentationml/2006/main">
   <p:cSld>
@@ -15799,6 +17114,1460 @@
       </p:par>
     </p:tnLst>
   </p:timing>
+</p:sld>
+</file>
+
+<file path=ppt/slides/slide70.xml><?xml version="1.0" encoding="utf-8"?>
+<p:sld xmlns:a="http://schemas.openxmlformats.org/drawingml/2006/main" xmlns:r="http://schemas.openxmlformats.org/officeDocument/2006/relationships" xmlns:p="http://schemas.openxmlformats.org/presentationml/2006/main">
+  <p:cSld>
+    <p:spTree>
+      <p:nvGrpSpPr>
+        <p:cNvPr id="1" name=""/>
+        <p:cNvGrpSpPr/>
+        <p:nvPr/>
+      </p:nvGrpSpPr>
+      <p:grpSpPr>
+        <a:xfrm>
+          <a:off x="0" y="0"/>
+          <a:ext cx="0" cy="0"/>
+          <a:chOff x="0" y="0"/>
+          <a:chExt cx="0" cy="0"/>
+        </a:xfrm>
+      </p:grpSpPr>
+      <p:sp>
+        <p:nvSpPr>
+          <p:cNvPr id="2" name="内容占位符 1"/>
+          <p:cNvSpPr>
+            <a:spLocks noGrp="1"/>
+          </p:cNvSpPr>
+          <p:nvPr>
+            <p:ph sz="quarter" idx="10"/>
+          </p:nvPr>
+        </p:nvSpPr>
+        <p:spPr/>
+        <p:txBody>
+          <a:bodyPr/>
+          <a:lstStyle/>
+          <a:p>
+            <a:r>
+              <a:rPr lang="en-US" altLang="zh-CN" sz="2800" dirty="0"/>
+              <a:t>Using Partitioned Hive </a:t>
+            </a:r>
+            <a:r>
+              <a:rPr lang="en-US" altLang="zh-CN" sz="2800" dirty="0" smtClean="0"/>
+              <a:t>Tables</a:t>
+            </a:r>
+          </a:p>
+          <a:p>
+            <a:pPr marL="457200" lvl="1" indent="0">
+              <a:buNone/>
+            </a:pPr>
+            <a:r>
+              <a:rPr lang="en-US" altLang="zh-CN" sz="2400" dirty="0"/>
+              <a:t>--</a:t>
+            </a:r>
+            <a:r>
+              <a:rPr lang="en-US" altLang="zh-CN" sz="2400" dirty="0" smtClean="0"/>
+              <a:t>hive-partition-key </a:t>
+            </a:r>
+            <a:r>
+              <a:rPr lang="zh-CN" altLang="en-US" sz="2400" dirty="0" smtClean="0"/>
+              <a:t>和 </a:t>
+            </a:r>
+            <a:r>
+              <a:rPr lang="en-US" altLang="zh-CN" sz="2400" dirty="0"/>
+              <a:t>--</a:t>
+            </a:r>
+            <a:r>
+              <a:rPr lang="en-US" altLang="zh-CN" sz="2400" dirty="0" smtClean="0"/>
+              <a:t>hive-partition-value</a:t>
+            </a:r>
+          </a:p>
+          <a:p>
+            <a:pPr marL="457200" lvl="1" indent="0">
+              <a:buNone/>
+            </a:pPr>
+            <a:r>
+              <a:rPr lang="en-US" altLang="zh-CN" sz="2200" dirty="0" err="1"/>
+              <a:t>sqoop</a:t>
+            </a:r>
+            <a:r>
+              <a:rPr lang="en-US" altLang="zh-CN" sz="2200" dirty="0"/>
+              <a:t> import \</a:t>
+            </a:r>
+          </a:p>
+          <a:p>
+            <a:pPr marL="457200" lvl="1" indent="0">
+              <a:buNone/>
+            </a:pPr>
+            <a:r>
+              <a:rPr lang="en-US" altLang="zh-CN" sz="2200" dirty="0"/>
+              <a:t>--connect </a:t>
+            </a:r>
+            <a:r>
+              <a:rPr lang="en-US" altLang="zh-CN" sz="2200" dirty="0" err="1"/>
+              <a:t>jdbc:mysql</a:t>
+            </a:r>
+            <a:r>
+              <a:rPr lang="en-US" altLang="zh-CN" sz="2200" dirty="0"/>
+              <a:t>://mysql.example.com/</a:t>
+            </a:r>
+            <a:r>
+              <a:rPr lang="en-US" altLang="zh-CN" sz="2200" dirty="0" err="1"/>
+              <a:t>sqoop</a:t>
+            </a:r>
+            <a:r>
+              <a:rPr lang="en-US" altLang="zh-CN" sz="2200" dirty="0"/>
+              <a:t> \</a:t>
+            </a:r>
+          </a:p>
+          <a:p>
+            <a:pPr marL="457200" lvl="1" indent="0">
+              <a:buNone/>
+            </a:pPr>
+            <a:r>
+              <a:rPr lang="en-US" altLang="zh-CN" sz="2200" dirty="0"/>
+              <a:t>--username </a:t>
+            </a:r>
+            <a:r>
+              <a:rPr lang="en-US" altLang="zh-CN" sz="2200" dirty="0" err="1"/>
+              <a:t>sqoop</a:t>
+            </a:r>
+            <a:r>
+              <a:rPr lang="en-US" altLang="zh-CN" sz="2200" dirty="0"/>
+              <a:t> \</a:t>
+            </a:r>
+          </a:p>
+          <a:p>
+            <a:pPr marL="457200" lvl="1" indent="0">
+              <a:buNone/>
+            </a:pPr>
+            <a:r>
+              <a:rPr lang="en-US" altLang="zh-CN" sz="2200" dirty="0"/>
+              <a:t>--password </a:t>
+            </a:r>
+            <a:r>
+              <a:rPr lang="en-US" altLang="zh-CN" sz="2200" dirty="0" err="1"/>
+              <a:t>sqoop</a:t>
+            </a:r>
+            <a:r>
+              <a:rPr lang="en-US" altLang="zh-CN" sz="2200" dirty="0"/>
+              <a:t> \</a:t>
+            </a:r>
+          </a:p>
+          <a:p>
+            <a:pPr marL="457200" lvl="1" indent="0">
+              <a:buNone/>
+            </a:pPr>
+            <a:r>
+              <a:rPr lang="en-US" altLang="zh-CN" sz="2200" dirty="0"/>
+              <a:t>--table cities \</a:t>
+            </a:r>
+          </a:p>
+          <a:p>
+            <a:pPr marL="457200" lvl="1" indent="0">
+              <a:buNone/>
+            </a:pPr>
+            <a:r>
+              <a:rPr lang="en-US" altLang="zh-CN" sz="2200" dirty="0"/>
+              <a:t>--hive-import \</a:t>
+            </a:r>
+          </a:p>
+          <a:p>
+            <a:pPr marL="457200" lvl="1" indent="0">
+              <a:buNone/>
+            </a:pPr>
+            <a:r>
+              <a:rPr lang="en-US" altLang="zh-CN" sz="2200" dirty="0"/>
+              <a:t>--hive-partition-key day \</a:t>
+            </a:r>
+          </a:p>
+          <a:p>
+            <a:pPr marL="457200" lvl="1" indent="0">
+              <a:buNone/>
+            </a:pPr>
+            <a:r>
+              <a:rPr lang="en-US" altLang="zh-CN" sz="2200" dirty="0"/>
+              <a:t>--hive-partition-value "2013-05-22"</a:t>
+            </a:r>
+            <a:endParaRPr lang="zh-CN" altLang="en-US" sz="2200" dirty="0"/>
+          </a:p>
+        </p:txBody>
+      </p:sp>
+      <p:sp>
+        <p:nvSpPr>
+          <p:cNvPr id="3" name="标题 2"/>
+          <p:cNvSpPr>
+            <a:spLocks noGrp="1"/>
+          </p:cNvSpPr>
+          <p:nvPr>
+            <p:ph type="title"/>
+          </p:nvPr>
+        </p:nvSpPr>
+        <p:spPr/>
+        <p:txBody>
+          <a:bodyPr/>
+          <a:lstStyle/>
+          <a:p>
+            <a:r>
+              <a:rPr lang="en-US" altLang="zh-CN" dirty="0" smtClean="0"/>
+              <a:t>Importing Data into Hive</a:t>
+            </a:r>
+            <a:endParaRPr lang="zh-CN" altLang="en-US" dirty="0"/>
+          </a:p>
+        </p:txBody>
+      </p:sp>
+    </p:spTree>
+    <p:extLst>
+      <p:ext uri="{BB962C8B-B14F-4D97-AF65-F5344CB8AC3E}">
+        <p14:creationId xmlns:p14="http://schemas.microsoft.com/office/powerpoint/2010/main" val="2341638047"/>
+      </p:ext>
+    </p:extLst>
+  </p:cSld>
+  <p:clrMapOvr>
+    <a:masterClrMapping/>
+  </p:clrMapOvr>
+</p:sld>
+</file>
+
+<file path=ppt/slides/slide71.xml><?xml version="1.0" encoding="utf-8"?>
+<p:sld xmlns:a="http://schemas.openxmlformats.org/drawingml/2006/main" xmlns:r="http://schemas.openxmlformats.org/officeDocument/2006/relationships" xmlns:p="http://schemas.openxmlformats.org/presentationml/2006/main">
+  <p:cSld>
+    <p:spTree>
+      <p:nvGrpSpPr>
+        <p:cNvPr id="1" name=""/>
+        <p:cNvGrpSpPr/>
+        <p:nvPr/>
+      </p:nvGrpSpPr>
+      <p:grpSpPr>
+        <a:xfrm>
+          <a:off x="0" y="0"/>
+          <a:ext cx="0" cy="0"/>
+          <a:chOff x="0" y="0"/>
+          <a:chExt cx="0" cy="0"/>
+        </a:xfrm>
+      </p:grpSpPr>
+      <p:sp>
+        <p:nvSpPr>
+          <p:cNvPr id="2" name="内容占位符 1"/>
+          <p:cNvSpPr>
+            <a:spLocks noGrp="1"/>
+          </p:cNvSpPr>
+          <p:nvPr>
+            <p:ph sz="quarter" idx="10"/>
+          </p:nvPr>
+        </p:nvSpPr>
+        <p:spPr/>
+        <p:txBody>
+          <a:bodyPr/>
+          <a:lstStyle/>
+          <a:p>
+            <a:r>
+              <a:rPr lang="zh-CN" altLang="en-US" sz="2800" dirty="0" smtClean="0"/>
+              <a:t>替换分隔符</a:t>
+            </a:r>
+            <a:endParaRPr lang="en-US" altLang="zh-CN" sz="2800" dirty="0" smtClean="0"/>
+          </a:p>
+          <a:p>
+            <a:pPr marL="457200" lvl="1" indent="0">
+              <a:buNone/>
+            </a:pPr>
+            <a:r>
+              <a:rPr lang="zh-CN" altLang="en-US" sz="2400" dirty="0" smtClean="0"/>
+              <a:t>删除所有的</a:t>
+            </a:r>
+            <a:r>
+              <a:rPr lang="en-US" altLang="zh-CN" sz="2400" dirty="0"/>
+              <a:t>\n, \</a:t>
+            </a:r>
+            <a:r>
+              <a:rPr lang="en-US" altLang="zh-CN" sz="2400" dirty="0" smtClean="0"/>
+              <a:t>t</a:t>
+            </a:r>
+            <a:r>
+              <a:rPr lang="zh-CN" altLang="en-US" sz="2400" dirty="0"/>
+              <a:t>和</a:t>
+            </a:r>
+            <a:r>
+              <a:rPr lang="en-US" altLang="zh-CN" sz="2400" dirty="0" smtClean="0"/>
+              <a:t> </a:t>
+            </a:r>
+            <a:r>
+              <a:rPr lang="en-US" altLang="zh-CN" sz="2400" dirty="0"/>
+              <a:t>\01 --</a:t>
+            </a:r>
+            <a:r>
+              <a:rPr lang="en-US" altLang="zh-CN" sz="2400" dirty="0" smtClean="0"/>
+              <a:t>hive-</a:t>
+            </a:r>
+            <a:r>
+              <a:rPr lang="en-US" altLang="zh-CN" sz="2400" dirty="0" err="1" smtClean="0"/>
+              <a:t>dropimport</a:t>
+            </a:r>
+            <a:r>
+              <a:rPr lang="en-US" altLang="zh-CN" sz="2400" dirty="0" smtClean="0"/>
+              <a:t>-</a:t>
+            </a:r>
+            <a:r>
+              <a:rPr lang="en-US" altLang="zh-CN" sz="2400" dirty="0" err="1" smtClean="0"/>
+              <a:t>delims</a:t>
+            </a:r>
+            <a:endParaRPr lang="en-US" altLang="zh-CN" sz="2400" dirty="0" smtClean="0"/>
+          </a:p>
+          <a:p>
+            <a:pPr marL="457200" lvl="1" indent="0">
+              <a:buNone/>
+            </a:pPr>
+            <a:r>
+              <a:rPr lang="en-US" altLang="zh-CN" sz="2200" dirty="0" err="1"/>
+              <a:t>sqoop</a:t>
+            </a:r>
+            <a:r>
+              <a:rPr lang="en-US" altLang="zh-CN" sz="2200" dirty="0"/>
+              <a:t> import \</a:t>
+            </a:r>
+          </a:p>
+          <a:p>
+            <a:pPr marL="457200" lvl="1" indent="0">
+              <a:buNone/>
+            </a:pPr>
+            <a:r>
+              <a:rPr lang="en-US" altLang="zh-CN" sz="2200" dirty="0"/>
+              <a:t>--connect </a:t>
+            </a:r>
+            <a:r>
+              <a:rPr lang="en-US" altLang="zh-CN" sz="2200" dirty="0" err="1"/>
+              <a:t>jdbc:mysql</a:t>
+            </a:r>
+            <a:r>
+              <a:rPr lang="en-US" altLang="zh-CN" sz="2200" dirty="0"/>
+              <a:t>://mysql.example.com/</a:t>
+            </a:r>
+            <a:r>
+              <a:rPr lang="en-US" altLang="zh-CN" sz="2200" dirty="0" err="1"/>
+              <a:t>sqoop</a:t>
+            </a:r>
+            <a:r>
+              <a:rPr lang="en-US" altLang="zh-CN" sz="2200" dirty="0"/>
+              <a:t> \</a:t>
+            </a:r>
+          </a:p>
+          <a:p>
+            <a:pPr marL="457200" lvl="1" indent="0">
+              <a:buNone/>
+            </a:pPr>
+            <a:r>
+              <a:rPr lang="en-US" altLang="zh-CN" sz="2200" dirty="0"/>
+              <a:t>--username </a:t>
+            </a:r>
+            <a:r>
+              <a:rPr lang="en-US" altLang="zh-CN" sz="2200" dirty="0" err="1"/>
+              <a:t>sqoop</a:t>
+            </a:r>
+            <a:r>
+              <a:rPr lang="en-US" altLang="zh-CN" sz="2200" dirty="0"/>
+              <a:t> \</a:t>
+            </a:r>
+          </a:p>
+          <a:p>
+            <a:pPr marL="457200" lvl="1" indent="0">
+              <a:buNone/>
+            </a:pPr>
+            <a:r>
+              <a:rPr lang="en-US" altLang="zh-CN" sz="2200" dirty="0"/>
+              <a:t>--password </a:t>
+            </a:r>
+            <a:r>
+              <a:rPr lang="en-US" altLang="zh-CN" sz="2200" dirty="0" err="1"/>
+              <a:t>sqoop</a:t>
+            </a:r>
+            <a:r>
+              <a:rPr lang="en-US" altLang="zh-CN" sz="2200" dirty="0"/>
+              <a:t> \</a:t>
+            </a:r>
+          </a:p>
+          <a:p>
+            <a:pPr marL="457200" lvl="1" indent="0">
+              <a:buNone/>
+            </a:pPr>
+            <a:r>
+              <a:rPr lang="en-US" altLang="zh-CN" sz="2200" dirty="0"/>
+              <a:t>--table cities \</a:t>
+            </a:r>
+          </a:p>
+          <a:p>
+            <a:pPr marL="457200" lvl="1" indent="0">
+              <a:buNone/>
+            </a:pPr>
+            <a:r>
+              <a:rPr lang="en-US" altLang="zh-CN" sz="2200" dirty="0"/>
+              <a:t>--hive-import \</a:t>
+            </a:r>
+          </a:p>
+          <a:p>
+            <a:pPr marL="457200" lvl="1" indent="0">
+              <a:buNone/>
+            </a:pPr>
+            <a:r>
+              <a:rPr lang="en-US" altLang="zh-CN" sz="2200" b="1" dirty="0"/>
+              <a:t>--hive-drop-import-</a:t>
+            </a:r>
+            <a:r>
+              <a:rPr lang="en-US" altLang="zh-CN" sz="2200" b="1" dirty="0" err="1"/>
+              <a:t>delims</a:t>
+            </a:r>
+            <a:endParaRPr lang="zh-CN" altLang="en-US" sz="2200" b="1" dirty="0"/>
+          </a:p>
+        </p:txBody>
+      </p:sp>
+      <p:sp>
+        <p:nvSpPr>
+          <p:cNvPr id="3" name="标题 2"/>
+          <p:cNvSpPr>
+            <a:spLocks noGrp="1"/>
+          </p:cNvSpPr>
+          <p:nvPr>
+            <p:ph type="title"/>
+          </p:nvPr>
+        </p:nvSpPr>
+        <p:spPr/>
+        <p:txBody>
+          <a:bodyPr/>
+          <a:lstStyle/>
+          <a:p>
+            <a:r>
+              <a:rPr lang="en-US" altLang="zh-CN" dirty="0" smtClean="0"/>
+              <a:t>Importing Data into Hive</a:t>
+            </a:r>
+            <a:endParaRPr lang="zh-CN" altLang="en-US" dirty="0"/>
+          </a:p>
+        </p:txBody>
+      </p:sp>
+    </p:spTree>
+    <p:extLst>
+      <p:ext uri="{BB962C8B-B14F-4D97-AF65-F5344CB8AC3E}">
+        <p14:creationId xmlns:p14="http://schemas.microsoft.com/office/powerpoint/2010/main" val="2341638047"/>
+      </p:ext>
+    </p:extLst>
+  </p:cSld>
+  <p:clrMapOvr>
+    <a:masterClrMapping/>
+  </p:clrMapOvr>
+</p:sld>
+</file>
+
+<file path=ppt/slides/slide72.xml><?xml version="1.0" encoding="utf-8"?>
+<p:sld xmlns:a="http://schemas.openxmlformats.org/drawingml/2006/main" xmlns:r="http://schemas.openxmlformats.org/officeDocument/2006/relationships" xmlns:p="http://schemas.openxmlformats.org/presentationml/2006/main">
+  <p:cSld>
+    <p:spTree>
+      <p:nvGrpSpPr>
+        <p:cNvPr id="1" name=""/>
+        <p:cNvGrpSpPr/>
+        <p:nvPr/>
+      </p:nvGrpSpPr>
+      <p:grpSpPr>
+        <a:xfrm>
+          <a:off x="0" y="0"/>
+          <a:ext cx="0" cy="0"/>
+          <a:chOff x="0" y="0"/>
+          <a:chExt cx="0" cy="0"/>
+        </a:xfrm>
+      </p:grpSpPr>
+      <p:sp>
+        <p:nvSpPr>
+          <p:cNvPr id="2" name="内容占位符 1"/>
+          <p:cNvSpPr>
+            <a:spLocks noGrp="1"/>
+          </p:cNvSpPr>
+          <p:nvPr>
+            <p:ph sz="quarter" idx="10"/>
+          </p:nvPr>
+        </p:nvSpPr>
+        <p:spPr/>
+        <p:txBody>
+          <a:bodyPr/>
+          <a:lstStyle/>
+          <a:p>
+            <a:r>
+              <a:rPr lang="zh-CN" altLang="en-US" sz="2800" dirty="0" smtClean="0"/>
+              <a:t>替换分隔符</a:t>
+            </a:r>
+            <a:endParaRPr lang="en-US" altLang="zh-CN" sz="2800" dirty="0" smtClean="0"/>
+          </a:p>
+          <a:p>
+            <a:pPr marL="457200" lvl="1" indent="0">
+              <a:buNone/>
+            </a:pPr>
+            <a:r>
+              <a:rPr lang="zh-CN" altLang="en-US" sz="2400" dirty="0" smtClean="0"/>
+              <a:t>替换所有的</a:t>
+            </a:r>
+            <a:r>
+              <a:rPr lang="en-US" altLang="zh-CN" sz="2400" dirty="0" smtClean="0"/>
+              <a:t>\</a:t>
+            </a:r>
+            <a:r>
+              <a:rPr lang="en-US" altLang="zh-CN" sz="2400" dirty="0"/>
+              <a:t>n, \</a:t>
+            </a:r>
+            <a:r>
+              <a:rPr lang="en-US" altLang="zh-CN" sz="2400" dirty="0" smtClean="0"/>
+              <a:t>t</a:t>
+            </a:r>
+            <a:r>
+              <a:rPr lang="zh-CN" altLang="en-US" sz="2400" dirty="0"/>
+              <a:t>和</a:t>
+            </a:r>
+            <a:r>
+              <a:rPr lang="en-US" altLang="zh-CN" sz="2400" dirty="0" smtClean="0"/>
+              <a:t> \01</a:t>
+            </a:r>
+          </a:p>
+          <a:p>
+            <a:pPr marL="457200" lvl="1" indent="0">
+              <a:buNone/>
+            </a:pPr>
+            <a:r>
+              <a:rPr lang="en-US" altLang="zh-CN" sz="2200" dirty="0" err="1"/>
+              <a:t>sqoop</a:t>
+            </a:r>
+            <a:r>
+              <a:rPr lang="en-US" altLang="zh-CN" sz="2200" dirty="0"/>
+              <a:t> import \</a:t>
+            </a:r>
+          </a:p>
+          <a:p>
+            <a:pPr marL="457200" lvl="1" indent="0">
+              <a:buNone/>
+            </a:pPr>
+            <a:r>
+              <a:rPr lang="en-US" altLang="zh-CN" sz="2200" dirty="0"/>
+              <a:t>--connect </a:t>
+            </a:r>
+            <a:r>
+              <a:rPr lang="en-US" altLang="zh-CN" sz="2200" dirty="0" err="1"/>
+              <a:t>jdbc:mysql</a:t>
+            </a:r>
+            <a:r>
+              <a:rPr lang="en-US" altLang="zh-CN" sz="2200" dirty="0"/>
+              <a:t>://mysql.example.com/</a:t>
+            </a:r>
+            <a:r>
+              <a:rPr lang="en-US" altLang="zh-CN" sz="2200" dirty="0" err="1"/>
+              <a:t>sqoop</a:t>
+            </a:r>
+            <a:r>
+              <a:rPr lang="en-US" altLang="zh-CN" sz="2200" dirty="0"/>
+              <a:t> \</a:t>
+            </a:r>
+          </a:p>
+          <a:p>
+            <a:pPr marL="457200" lvl="1" indent="0">
+              <a:buNone/>
+            </a:pPr>
+            <a:r>
+              <a:rPr lang="en-US" altLang="zh-CN" sz="2200" dirty="0"/>
+              <a:t>--username </a:t>
+            </a:r>
+            <a:r>
+              <a:rPr lang="en-US" altLang="zh-CN" sz="2200" dirty="0" err="1"/>
+              <a:t>sqoop</a:t>
+            </a:r>
+            <a:r>
+              <a:rPr lang="en-US" altLang="zh-CN" sz="2200" dirty="0"/>
+              <a:t> \</a:t>
+            </a:r>
+          </a:p>
+          <a:p>
+            <a:pPr marL="457200" lvl="1" indent="0">
+              <a:buNone/>
+            </a:pPr>
+            <a:r>
+              <a:rPr lang="en-US" altLang="zh-CN" sz="2200" dirty="0"/>
+              <a:t>--password </a:t>
+            </a:r>
+            <a:r>
+              <a:rPr lang="en-US" altLang="zh-CN" sz="2200" dirty="0" err="1"/>
+              <a:t>sqoop</a:t>
+            </a:r>
+            <a:r>
+              <a:rPr lang="en-US" altLang="zh-CN" sz="2200" dirty="0"/>
+              <a:t> \</a:t>
+            </a:r>
+          </a:p>
+          <a:p>
+            <a:pPr marL="457200" lvl="1" indent="0">
+              <a:buNone/>
+            </a:pPr>
+            <a:r>
+              <a:rPr lang="en-US" altLang="zh-CN" sz="2200" dirty="0"/>
+              <a:t>--table cities \</a:t>
+            </a:r>
+          </a:p>
+          <a:p>
+            <a:pPr marL="457200" lvl="1" indent="0">
+              <a:buNone/>
+            </a:pPr>
+            <a:r>
+              <a:rPr lang="en-US" altLang="zh-CN" sz="2200" dirty="0"/>
+              <a:t>--hive-import \</a:t>
+            </a:r>
+          </a:p>
+          <a:p>
+            <a:pPr marL="457200" lvl="1" indent="0">
+              <a:buNone/>
+            </a:pPr>
+            <a:r>
+              <a:rPr lang="en-US" altLang="zh-CN" sz="2200" b="1" dirty="0"/>
+              <a:t>--hive-</a:t>
+            </a:r>
+            <a:r>
+              <a:rPr lang="en-US" altLang="zh-CN" sz="2200" b="1" dirty="0" err="1"/>
+              <a:t>delims</a:t>
+            </a:r>
+            <a:r>
+              <a:rPr lang="en-US" altLang="zh-CN" sz="2200" b="1" dirty="0"/>
+              <a:t>-replacement</a:t>
+            </a:r>
+            <a:r>
+              <a:rPr lang="en-US" altLang="zh-CN" sz="2200" dirty="0"/>
+              <a:t> "SPECIAL"</a:t>
+            </a:r>
+            <a:endParaRPr lang="zh-CN" altLang="en-US" sz="2200" dirty="0"/>
+          </a:p>
+        </p:txBody>
+      </p:sp>
+      <p:sp>
+        <p:nvSpPr>
+          <p:cNvPr id="3" name="标题 2"/>
+          <p:cNvSpPr>
+            <a:spLocks noGrp="1"/>
+          </p:cNvSpPr>
+          <p:nvPr>
+            <p:ph type="title"/>
+          </p:nvPr>
+        </p:nvSpPr>
+        <p:spPr/>
+        <p:txBody>
+          <a:bodyPr/>
+          <a:lstStyle/>
+          <a:p>
+            <a:r>
+              <a:rPr lang="en-US" altLang="zh-CN" dirty="0" smtClean="0"/>
+              <a:t>Importing Data into Hive</a:t>
+            </a:r>
+            <a:endParaRPr lang="zh-CN" altLang="en-US" dirty="0"/>
+          </a:p>
+        </p:txBody>
+      </p:sp>
+    </p:spTree>
+    <p:extLst>
+      <p:ext uri="{BB962C8B-B14F-4D97-AF65-F5344CB8AC3E}">
+        <p14:creationId xmlns:p14="http://schemas.microsoft.com/office/powerpoint/2010/main" val="196386994"/>
+      </p:ext>
+    </p:extLst>
+  </p:cSld>
+  <p:clrMapOvr>
+    <a:masterClrMapping/>
+  </p:clrMapOvr>
+</p:sld>
+</file>
+
+<file path=ppt/slides/slide73.xml><?xml version="1.0" encoding="utf-8"?>
+<p:sld xmlns:a="http://schemas.openxmlformats.org/drawingml/2006/main" xmlns:r="http://schemas.openxmlformats.org/officeDocument/2006/relationships" xmlns:p="http://schemas.openxmlformats.org/presentationml/2006/main">
+  <p:cSld>
+    <p:spTree>
+      <p:nvGrpSpPr>
+        <p:cNvPr id="1" name=""/>
+        <p:cNvGrpSpPr/>
+        <p:nvPr/>
+      </p:nvGrpSpPr>
+      <p:grpSpPr>
+        <a:xfrm>
+          <a:off x="0" y="0"/>
+          <a:ext cx="0" cy="0"/>
+          <a:chOff x="0" y="0"/>
+          <a:chExt cx="0" cy="0"/>
+        </a:xfrm>
+      </p:grpSpPr>
+      <p:sp>
+        <p:nvSpPr>
+          <p:cNvPr id="2" name="内容占位符 1"/>
+          <p:cNvSpPr>
+            <a:spLocks noGrp="1"/>
+          </p:cNvSpPr>
+          <p:nvPr>
+            <p:ph sz="quarter" idx="10"/>
+          </p:nvPr>
+        </p:nvSpPr>
+        <p:spPr/>
+        <p:txBody>
+          <a:bodyPr/>
+          <a:lstStyle/>
+          <a:p>
+            <a:r>
+              <a:rPr lang="zh-CN" altLang="en-US" sz="2800" dirty="0" smtClean="0"/>
+              <a:t>使用正确的</a:t>
+            </a:r>
+            <a:r>
+              <a:rPr lang="en-US" altLang="zh-CN" sz="2800" dirty="0" smtClean="0"/>
+              <a:t>NULL</a:t>
+            </a:r>
+          </a:p>
+          <a:p>
+            <a:pPr marL="457200" lvl="1" indent="0">
+              <a:buNone/>
+            </a:pPr>
+            <a:r>
+              <a:rPr lang="en-US" altLang="zh-CN" sz="2200" dirty="0" err="1"/>
+              <a:t>sqoop</a:t>
+            </a:r>
+            <a:r>
+              <a:rPr lang="en-US" altLang="zh-CN" sz="2200" dirty="0"/>
+              <a:t> import \</a:t>
+            </a:r>
+          </a:p>
+          <a:p>
+            <a:pPr marL="457200" lvl="1" indent="0">
+              <a:buNone/>
+            </a:pPr>
+            <a:r>
+              <a:rPr lang="en-US" altLang="zh-CN" sz="2200" dirty="0"/>
+              <a:t>--connect </a:t>
+            </a:r>
+            <a:r>
+              <a:rPr lang="en-US" altLang="zh-CN" sz="2200" dirty="0" err="1"/>
+              <a:t>jdbc:mysql</a:t>
+            </a:r>
+            <a:r>
+              <a:rPr lang="en-US" altLang="zh-CN" sz="2200" dirty="0"/>
+              <a:t>://mysql.example.com/</a:t>
+            </a:r>
+            <a:r>
+              <a:rPr lang="en-US" altLang="zh-CN" sz="2200" dirty="0" err="1"/>
+              <a:t>sqoop</a:t>
+            </a:r>
+            <a:r>
+              <a:rPr lang="en-US" altLang="zh-CN" sz="2200" dirty="0"/>
+              <a:t> \</a:t>
+            </a:r>
+          </a:p>
+          <a:p>
+            <a:pPr marL="457200" lvl="1" indent="0">
+              <a:buNone/>
+            </a:pPr>
+            <a:r>
+              <a:rPr lang="en-US" altLang="zh-CN" sz="2200" dirty="0"/>
+              <a:t>--username </a:t>
+            </a:r>
+            <a:r>
+              <a:rPr lang="en-US" altLang="zh-CN" sz="2200" dirty="0" err="1"/>
+              <a:t>sqoop</a:t>
+            </a:r>
+            <a:r>
+              <a:rPr lang="en-US" altLang="zh-CN" sz="2200" dirty="0"/>
+              <a:t> \</a:t>
+            </a:r>
+          </a:p>
+          <a:p>
+            <a:pPr marL="457200" lvl="1" indent="0">
+              <a:buNone/>
+            </a:pPr>
+            <a:r>
+              <a:rPr lang="en-US" altLang="zh-CN" sz="2200" dirty="0"/>
+              <a:t>--password </a:t>
+            </a:r>
+            <a:r>
+              <a:rPr lang="en-US" altLang="zh-CN" sz="2200" dirty="0" err="1"/>
+              <a:t>sqoop</a:t>
+            </a:r>
+            <a:r>
+              <a:rPr lang="en-US" altLang="zh-CN" sz="2200" dirty="0"/>
+              <a:t> \</a:t>
+            </a:r>
+          </a:p>
+          <a:p>
+            <a:pPr marL="457200" lvl="1" indent="0">
+              <a:buNone/>
+            </a:pPr>
+            <a:r>
+              <a:rPr lang="en-US" altLang="zh-CN" sz="2200" dirty="0"/>
+              <a:t>--table cities \</a:t>
+            </a:r>
+          </a:p>
+          <a:p>
+            <a:pPr marL="457200" lvl="1" indent="0">
+              <a:buNone/>
+            </a:pPr>
+            <a:r>
+              <a:rPr lang="en-US" altLang="zh-CN" sz="2200" dirty="0"/>
+              <a:t>--hive-import \</a:t>
+            </a:r>
+          </a:p>
+          <a:p>
+            <a:pPr marL="457200" lvl="1" indent="0">
+              <a:buNone/>
+            </a:pPr>
+            <a:r>
+              <a:rPr lang="en-US" altLang="zh-CN" sz="2200" b="1" dirty="0"/>
+              <a:t>--null-string </a:t>
+            </a:r>
+            <a:r>
+              <a:rPr lang="en-US" altLang="zh-CN" sz="2200" dirty="0"/>
+              <a:t>'\\N' \</a:t>
+            </a:r>
+          </a:p>
+          <a:p>
+            <a:pPr marL="457200" lvl="1" indent="0">
+              <a:buNone/>
+            </a:pPr>
+            <a:r>
+              <a:rPr lang="en-US" altLang="zh-CN" sz="2200" b="1" dirty="0"/>
+              <a:t>--null-non-string </a:t>
+            </a:r>
+            <a:r>
+              <a:rPr lang="en-US" altLang="zh-CN" sz="2200" dirty="0"/>
+              <a:t>'\\N'</a:t>
+            </a:r>
+            <a:endParaRPr lang="zh-CN" altLang="en-US" sz="2200" dirty="0"/>
+          </a:p>
+        </p:txBody>
+      </p:sp>
+      <p:sp>
+        <p:nvSpPr>
+          <p:cNvPr id="3" name="标题 2"/>
+          <p:cNvSpPr>
+            <a:spLocks noGrp="1"/>
+          </p:cNvSpPr>
+          <p:nvPr>
+            <p:ph type="title"/>
+          </p:nvPr>
+        </p:nvSpPr>
+        <p:spPr/>
+        <p:txBody>
+          <a:bodyPr/>
+          <a:lstStyle/>
+          <a:p>
+            <a:r>
+              <a:rPr lang="en-US" altLang="zh-CN" dirty="0" smtClean="0"/>
+              <a:t>Importing Data into Hive</a:t>
+            </a:r>
+            <a:endParaRPr lang="zh-CN" altLang="en-US" dirty="0"/>
+          </a:p>
+        </p:txBody>
+      </p:sp>
+    </p:spTree>
+    <p:extLst>
+      <p:ext uri="{BB962C8B-B14F-4D97-AF65-F5344CB8AC3E}">
+        <p14:creationId xmlns:p14="http://schemas.microsoft.com/office/powerpoint/2010/main" val="2341638047"/>
+      </p:ext>
+    </p:extLst>
+  </p:cSld>
+  <p:clrMapOvr>
+    <a:masterClrMapping/>
+  </p:clrMapOvr>
+</p:sld>
+</file>
+
+<file path=ppt/slides/slide74.xml><?xml version="1.0" encoding="utf-8"?>
+<p:sld xmlns:a="http://schemas.openxmlformats.org/drawingml/2006/main" xmlns:r="http://schemas.openxmlformats.org/officeDocument/2006/relationships" xmlns:p="http://schemas.openxmlformats.org/presentationml/2006/main">
+  <p:cSld>
+    <p:spTree>
+      <p:nvGrpSpPr>
+        <p:cNvPr id="1" name=""/>
+        <p:cNvGrpSpPr/>
+        <p:nvPr/>
+      </p:nvGrpSpPr>
+      <p:grpSpPr>
+        <a:xfrm>
+          <a:off x="0" y="0"/>
+          <a:ext cx="0" cy="0"/>
+          <a:chOff x="0" y="0"/>
+          <a:chExt cx="0" cy="0"/>
+        </a:xfrm>
+      </p:grpSpPr>
+      <p:sp>
+        <p:nvSpPr>
+          <p:cNvPr id="2" name="内容占位符 1"/>
+          <p:cNvSpPr>
+            <a:spLocks noGrp="1"/>
+          </p:cNvSpPr>
+          <p:nvPr>
+            <p:ph sz="quarter" idx="10"/>
+          </p:nvPr>
+        </p:nvSpPr>
+        <p:spPr/>
+        <p:txBody>
+          <a:bodyPr/>
+          <a:lstStyle/>
+          <a:p>
+            <a:r>
+              <a:rPr lang="zh-CN" altLang="en-US" sz="2800" dirty="0" smtClean="0"/>
+              <a:t>数据导入</a:t>
+            </a:r>
+            <a:r>
+              <a:rPr lang="en-US" altLang="zh-CN" sz="2800" dirty="0" err="1" smtClean="0"/>
+              <a:t>HBase</a:t>
+            </a:r>
+            <a:r>
+              <a:rPr lang="en-US" altLang="zh-CN" sz="2800" dirty="0" smtClean="0"/>
+              <a:t> </a:t>
+            </a:r>
+          </a:p>
+          <a:p>
+            <a:pPr marL="457200" lvl="1" indent="0">
+              <a:buNone/>
+            </a:pPr>
+            <a:r>
+              <a:rPr lang="en-US" altLang="zh-CN" sz="2400" dirty="0"/>
+              <a:t>--</a:t>
+            </a:r>
+            <a:r>
+              <a:rPr lang="en-US" altLang="zh-CN" sz="2400" dirty="0" err="1"/>
+              <a:t>hbase</a:t>
+            </a:r>
+            <a:r>
+              <a:rPr lang="en-US" altLang="zh-CN" sz="2400" dirty="0"/>
+              <a:t>-table and --</a:t>
+            </a:r>
+            <a:r>
+              <a:rPr lang="en-US" altLang="zh-CN" sz="2400" dirty="0" smtClean="0"/>
+              <a:t>column-family</a:t>
+            </a:r>
+          </a:p>
+          <a:p>
+            <a:pPr marL="457200" lvl="1" indent="0">
+              <a:buNone/>
+            </a:pPr>
+            <a:endParaRPr lang="en-US" altLang="zh-CN" sz="2200" dirty="0" smtClean="0"/>
+          </a:p>
+          <a:p>
+            <a:pPr marL="457200" lvl="1" indent="0">
+              <a:buNone/>
+            </a:pPr>
+            <a:r>
+              <a:rPr lang="en-US" altLang="zh-CN" sz="2200" dirty="0" err="1" smtClean="0"/>
+              <a:t>sqoop</a:t>
+            </a:r>
+            <a:r>
+              <a:rPr lang="en-US" altLang="zh-CN" sz="2200" dirty="0" smtClean="0"/>
+              <a:t> </a:t>
+            </a:r>
+            <a:r>
+              <a:rPr lang="en-US" altLang="zh-CN" sz="2200" dirty="0"/>
+              <a:t>import \</a:t>
+            </a:r>
+          </a:p>
+          <a:p>
+            <a:pPr marL="457200" lvl="1" indent="0">
+              <a:buNone/>
+            </a:pPr>
+            <a:r>
+              <a:rPr lang="en-US" altLang="zh-CN" sz="2200" dirty="0"/>
+              <a:t>--connect </a:t>
+            </a:r>
+            <a:r>
+              <a:rPr lang="en-US" altLang="zh-CN" sz="2200" dirty="0" err="1"/>
+              <a:t>jdbc:mysql</a:t>
+            </a:r>
+            <a:r>
+              <a:rPr lang="en-US" altLang="zh-CN" sz="2200" dirty="0"/>
+              <a:t>://mysql.example.com/</a:t>
+            </a:r>
+            <a:r>
+              <a:rPr lang="en-US" altLang="zh-CN" sz="2200" dirty="0" err="1"/>
+              <a:t>sqoop</a:t>
+            </a:r>
+            <a:r>
+              <a:rPr lang="en-US" altLang="zh-CN" sz="2200" dirty="0"/>
+              <a:t> \</a:t>
+            </a:r>
+          </a:p>
+          <a:p>
+            <a:pPr marL="457200" lvl="1" indent="0">
+              <a:buNone/>
+            </a:pPr>
+            <a:r>
+              <a:rPr lang="en-US" altLang="zh-CN" sz="2200" dirty="0"/>
+              <a:t>--username </a:t>
+            </a:r>
+            <a:r>
+              <a:rPr lang="en-US" altLang="zh-CN" sz="2200" dirty="0" err="1"/>
+              <a:t>sqoop</a:t>
+            </a:r>
+            <a:r>
+              <a:rPr lang="en-US" altLang="zh-CN" sz="2200" dirty="0"/>
+              <a:t> \</a:t>
+            </a:r>
+          </a:p>
+          <a:p>
+            <a:pPr marL="457200" lvl="1" indent="0">
+              <a:buNone/>
+            </a:pPr>
+            <a:r>
+              <a:rPr lang="en-US" altLang="zh-CN" sz="2200" dirty="0"/>
+              <a:t>--password </a:t>
+            </a:r>
+            <a:r>
+              <a:rPr lang="en-US" altLang="zh-CN" sz="2200" dirty="0" err="1"/>
+              <a:t>sqoop</a:t>
+            </a:r>
+            <a:r>
+              <a:rPr lang="en-US" altLang="zh-CN" sz="2200" dirty="0"/>
+              <a:t> \</a:t>
+            </a:r>
+          </a:p>
+          <a:p>
+            <a:pPr marL="457200" lvl="1" indent="0">
+              <a:buNone/>
+            </a:pPr>
+            <a:r>
+              <a:rPr lang="en-US" altLang="zh-CN" sz="2200" dirty="0"/>
+              <a:t>--table cities \</a:t>
+            </a:r>
+          </a:p>
+          <a:p>
+            <a:pPr marL="457200" lvl="1" indent="0">
+              <a:buNone/>
+            </a:pPr>
+            <a:r>
+              <a:rPr lang="en-US" altLang="zh-CN" sz="2200" dirty="0"/>
+              <a:t>--</a:t>
+            </a:r>
+            <a:r>
+              <a:rPr lang="en-US" altLang="zh-CN" sz="2200" dirty="0" err="1"/>
+              <a:t>hbase</a:t>
+            </a:r>
+            <a:r>
+              <a:rPr lang="en-US" altLang="zh-CN" sz="2200" dirty="0"/>
+              <a:t>-table cities \</a:t>
+            </a:r>
+          </a:p>
+          <a:p>
+            <a:pPr marL="457200" lvl="1" indent="0">
+              <a:buNone/>
+            </a:pPr>
+            <a:r>
+              <a:rPr lang="en-US" altLang="zh-CN" sz="2200" dirty="0"/>
+              <a:t>--column-family world</a:t>
+            </a:r>
+            <a:endParaRPr lang="zh-CN" altLang="en-US" sz="2200" dirty="0"/>
+          </a:p>
+        </p:txBody>
+      </p:sp>
+      <p:sp>
+        <p:nvSpPr>
+          <p:cNvPr id="3" name="标题 2"/>
+          <p:cNvSpPr>
+            <a:spLocks noGrp="1"/>
+          </p:cNvSpPr>
+          <p:nvPr>
+            <p:ph type="title"/>
+          </p:nvPr>
+        </p:nvSpPr>
+        <p:spPr/>
+        <p:txBody>
+          <a:bodyPr/>
+          <a:lstStyle/>
+          <a:p>
+            <a:r>
+              <a:rPr lang="en-US" altLang="zh-CN" dirty="0" smtClean="0"/>
+              <a:t>Importing Data into </a:t>
+            </a:r>
+            <a:r>
+              <a:rPr lang="en-US" altLang="zh-CN" dirty="0" err="1" smtClean="0"/>
+              <a:t>HBase</a:t>
+            </a:r>
+            <a:endParaRPr lang="zh-CN" altLang="en-US" dirty="0"/>
+          </a:p>
+        </p:txBody>
+      </p:sp>
+    </p:spTree>
+    <p:extLst>
+      <p:ext uri="{BB962C8B-B14F-4D97-AF65-F5344CB8AC3E}">
+        <p14:creationId xmlns:p14="http://schemas.microsoft.com/office/powerpoint/2010/main" val="2344453267"/>
+      </p:ext>
+    </p:extLst>
+  </p:cSld>
+  <p:clrMapOvr>
+    <a:masterClrMapping/>
+  </p:clrMapOvr>
+</p:sld>
+</file>
+
+<file path=ppt/slides/slide75.xml><?xml version="1.0" encoding="utf-8"?>
+<p:sld xmlns:a="http://schemas.openxmlformats.org/drawingml/2006/main" xmlns:r="http://schemas.openxmlformats.org/officeDocument/2006/relationships" xmlns:p="http://schemas.openxmlformats.org/presentationml/2006/main">
+  <p:cSld>
+    <p:spTree>
+      <p:nvGrpSpPr>
+        <p:cNvPr id="1" name=""/>
+        <p:cNvGrpSpPr/>
+        <p:nvPr/>
+      </p:nvGrpSpPr>
+      <p:grpSpPr>
+        <a:xfrm>
+          <a:off x="0" y="0"/>
+          <a:ext cx="0" cy="0"/>
+          <a:chOff x="0" y="0"/>
+          <a:chExt cx="0" cy="0"/>
+        </a:xfrm>
+      </p:grpSpPr>
+      <p:sp>
+        <p:nvSpPr>
+          <p:cNvPr id="2" name="内容占位符 1"/>
+          <p:cNvSpPr>
+            <a:spLocks noGrp="1"/>
+          </p:cNvSpPr>
+          <p:nvPr>
+            <p:ph sz="quarter" idx="10"/>
+          </p:nvPr>
+        </p:nvSpPr>
+        <p:spPr/>
+        <p:txBody>
+          <a:bodyPr/>
+          <a:lstStyle/>
+          <a:p>
+            <a:r>
+              <a:rPr lang="zh-CN" altLang="en-US" sz="2800" dirty="0" smtClean="0"/>
+              <a:t>将所有行导入</a:t>
+            </a:r>
+            <a:r>
+              <a:rPr lang="en-US" altLang="zh-CN" sz="2800" dirty="0" err="1" smtClean="0"/>
+              <a:t>HBase</a:t>
+            </a:r>
+            <a:endParaRPr lang="en-US" altLang="zh-CN" sz="2800" dirty="0" smtClean="0"/>
+          </a:p>
+          <a:p>
+            <a:pPr marL="457200" lvl="1" indent="0">
+              <a:buNone/>
+            </a:pPr>
+            <a:r>
+              <a:rPr lang="en-US" altLang="zh-CN" sz="2400" dirty="0" err="1" smtClean="0"/>
+              <a:t>sqoop.hbase.add.row.key</a:t>
+            </a:r>
+            <a:endParaRPr lang="en-US" altLang="zh-CN" sz="2400" dirty="0" smtClean="0"/>
+          </a:p>
+          <a:p>
+            <a:pPr marL="457200" lvl="1" indent="0">
+              <a:buNone/>
+            </a:pPr>
+            <a:r>
+              <a:rPr lang="en-US" altLang="zh-CN" sz="2200" dirty="0" err="1"/>
+              <a:t>sqoop</a:t>
+            </a:r>
+            <a:r>
+              <a:rPr lang="en-US" altLang="zh-CN" sz="2200" dirty="0"/>
+              <a:t> import \</a:t>
+            </a:r>
+          </a:p>
+          <a:p>
+            <a:pPr marL="457200" lvl="1" indent="0">
+              <a:buNone/>
+            </a:pPr>
+            <a:r>
+              <a:rPr lang="en-US" altLang="zh-CN" sz="2200" dirty="0"/>
+              <a:t>-</a:t>
+            </a:r>
+            <a:r>
+              <a:rPr lang="en-US" altLang="zh-CN" sz="2200" dirty="0" err="1"/>
+              <a:t>Dsqoop.hbase.add.row.key</a:t>
+            </a:r>
+            <a:r>
+              <a:rPr lang="en-US" altLang="zh-CN" sz="2200" dirty="0"/>
+              <a:t>=true \</a:t>
+            </a:r>
+          </a:p>
+          <a:p>
+            <a:pPr marL="457200" lvl="1" indent="0">
+              <a:buNone/>
+            </a:pPr>
+            <a:r>
+              <a:rPr lang="en-US" altLang="zh-CN" sz="2200" dirty="0"/>
+              <a:t>--connect </a:t>
+            </a:r>
+            <a:r>
+              <a:rPr lang="en-US" altLang="zh-CN" sz="2200" dirty="0" err="1"/>
+              <a:t>jdbc:mysql</a:t>
+            </a:r>
+            <a:r>
+              <a:rPr lang="en-US" altLang="zh-CN" sz="2200" dirty="0"/>
+              <a:t>://mysql.example.com/</a:t>
+            </a:r>
+            <a:r>
+              <a:rPr lang="en-US" altLang="zh-CN" sz="2200" dirty="0" err="1"/>
+              <a:t>sqoop</a:t>
+            </a:r>
+            <a:r>
+              <a:rPr lang="en-US" altLang="zh-CN" sz="2200" dirty="0"/>
+              <a:t> \</a:t>
+            </a:r>
+          </a:p>
+          <a:p>
+            <a:pPr marL="457200" lvl="1" indent="0">
+              <a:buNone/>
+            </a:pPr>
+            <a:r>
+              <a:rPr lang="en-US" altLang="zh-CN" sz="2200" dirty="0"/>
+              <a:t>--username </a:t>
+            </a:r>
+            <a:r>
+              <a:rPr lang="en-US" altLang="zh-CN" sz="2200" dirty="0" err="1"/>
+              <a:t>sqoop</a:t>
+            </a:r>
+            <a:r>
+              <a:rPr lang="en-US" altLang="zh-CN" sz="2200" dirty="0"/>
+              <a:t> \</a:t>
+            </a:r>
+          </a:p>
+          <a:p>
+            <a:pPr marL="457200" lvl="1" indent="0">
+              <a:buNone/>
+            </a:pPr>
+            <a:r>
+              <a:rPr lang="en-US" altLang="zh-CN" sz="2200" dirty="0"/>
+              <a:t>--password </a:t>
+            </a:r>
+            <a:r>
+              <a:rPr lang="en-US" altLang="zh-CN" sz="2200" dirty="0" err="1"/>
+              <a:t>sqoop</a:t>
+            </a:r>
+            <a:r>
+              <a:rPr lang="en-US" altLang="zh-CN" sz="2200" dirty="0"/>
+              <a:t> \</a:t>
+            </a:r>
+          </a:p>
+          <a:p>
+            <a:pPr marL="457200" lvl="1" indent="0">
+              <a:buNone/>
+            </a:pPr>
+            <a:r>
+              <a:rPr lang="en-US" altLang="zh-CN" sz="2200" dirty="0"/>
+              <a:t>--table cities \</a:t>
+            </a:r>
+          </a:p>
+          <a:p>
+            <a:pPr marL="457200" lvl="1" indent="0">
+              <a:buNone/>
+            </a:pPr>
+            <a:r>
+              <a:rPr lang="en-US" altLang="zh-CN" sz="2200" dirty="0"/>
+              <a:t>--</a:t>
+            </a:r>
+            <a:r>
+              <a:rPr lang="en-US" altLang="zh-CN" sz="2200" dirty="0" err="1"/>
+              <a:t>hbase</a:t>
+            </a:r>
+            <a:r>
+              <a:rPr lang="en-US" altLang="zh-CN" sz="2200" dirty="0"/>
+              <a:t>-table cities \</a:t>
+            </a:r>
+          </a:p>
+          <a:p>
+            <a:pPr marL="457200" lvl="1" indent="0">
+              <a:buNone/>
+            </a:pPr>
+            <a:r>
+              <a:rPr lang="en-US" altLang="zh-CN" sz="2200" dirty="0"/>
+              <a:t>--column-family world</a:t>
+            </a:r>
+          </a:p>
+        </p:txBody>
+      </p:sp>
+      <p:sp>
+        <p:nvSpPr>
+          <p:cNvPr id="3" name="标题 2"/>
+          <p:cNvSpPr>
+            <a:spLocks noGrp="1"/>
+          </p:cNvSpPr>
+          <p:nvPr>
+            <p:ph type="title"/>
+          </p:nvPr>
+        </p:nvSpPr>
+        <p:spPr/>
+        <p:txBody>
+          <a:bodyPr/>
+          <a:lstStyle/>
+          <a:p>
+            <a:r>
+              <a:rPr lang="en-US" altLang="zh-CN" dirty="0" smtClean="0"/>
+              <a:t>Importing Data into </a:t>
+            </a:r>
+            <a:r>
+              <a:rPr lang="en-US" altLang="zh-CN" dirty="0" err="1" smtClean="0"/>
+              <a:t>HBase</a:t>
+            </a:r>
+            <a:endParaRPr lang="zh-CN" altLang="en-US" dirty="0"/>
+          </a:p>
+        </p:txBody>
+      </p:sp>
+    </p:spTree>
+    <p:extLst>
+      <p:ext uri="{BB962C8B-B14F-4D97-AF65-F5344CB8AC3E}">
+        <p14:creationId xmlns:p14="http://schemas.microsoft.com/office/powerpoint/2010/main" val="1233164999"/>
+      </p:ext>
+    </p:extLst>
+  </p:cSld>
+  <p:clrMapOvr>
+    <a:masterClrMapping/>
+  </p:clrMapOvr>
+</p:sld>
+</file>
+
+<file path=ppt/slides/slide76.xml><?xml version="1.0" encoding="utf-8"?>
+<p:sld xmlns:a="http://schemas.openxmlformats.org/drawingml/2006/main" xmlns:r="http://schemas.openxmlformats.org/officeDocument/2006/relationships" xmlns:p="http://schemas.openxmlformats.org/presentationml/2006/main">
+  <p:cSld>
+    <p:spTree>
+      <p:nvGrpSpPr>
+        <p:cNvPr id="1" name=""/>
+        <p:cNvGrpSpPr/>
+        <p:nvPr/>
+      </p:nvGrpSpPr>
+      <p:grpSpPr>
+        <a:xfrm>
+          <a:off x="0" y="0"/>
+          <a:ext cx="0" cy="0"/>
+          <a:chOff x="0" y="0"/>
+          <a:chExt cx="0" cy="0"/>
+        </a:xfrm>
+      </p:grpSpPr>
+      <p:sp>
+        <p:nvSpPr>
+          <p:cNvPr id="2" name="内容占位符 1"/>
+          <p:cNvSpPr>
+            <a:spLocks noGrp="1"/>
+          </p:cNvSpPr>
+          <p:nvPr>
+            <p:ph sz="quarter" idx="10"/>
+          </p:nvPr>
+        </p:nvSpPr>
+        <p:spPr/>
+        <p:txBody>
+          <a:bodyPr/>
+          <a:lstStyle/>
+          <a:p>
+            <a:r>
+              <a:rPr lang="zh-CN" altLang="en-US" sz="2800" dirty="0" smtClean="0"/>
+              <a:t>提升导入</a:t>
+            </a:r>
+            <a:r>
+              <a:rPr lang="en-US" altLang="zh-CN" sz="2800" dirty="0" err="1" smtClean="0"/>
+              <a:t>HBase</a:t>
+            </a:r>
+            <a:r>
+              <a:rPr lang="zh-CN" altLang="en-US" sz="2800" dirty="0" smtClean="0"/>
+              <a:t>的性能</a:t>
+            </a:r>
+            <a:endParaRPr lang="en-US" altLang="zh-CN" sz="2800" dirty="0" smtClean="0"/>
+          </a:p>
+          <a:p>
+            <a:pPr marL="457200" lvl="1" indent="0">
+              <a:buNone/>
+            </a:pPr>
+            <a:r>
+              <a:rPr lang="zh-CN" altLang="en-US" sz="2400" dirty="0" smtClean="0"/>
+              <a:t>在导入数据前创建</a:t>
+            </a:r>
+            <a:r>
+              <a:rPr lang="en-US" altLang="zh-CN" sz="2400" dirty="0" err="1" smtClean="0"/>
+              <a:t>HBase</a:t>
+            </a:r>
+            <a:r>
+              <a:rPr lang="zh-CN" altLang="en-US" sz="2400" dirty="0" smtClean="0"/>
+              <a:t>表，使用</a:t>
+            </a:r>
+            <a:r>
+              <a:rPr lang="en-US" altLang="zh-CN" sz="2400" dirty="0"/>
+              <a:t>NUMREGIONS</a:t>
+            </a:r>
+            <a:r>
+              <a:rPr lang="zh-CN" altLang="en-US" sz="2400" dirty="0" smtClean="0"/>
+              <a:t>指导</a:t>
+            </a:r>
+            <a:r>
+              <a:rPr lang="en-US" altLang="zh-CN" sz="2400" dirty="0" err="1" smtClean="0"/>
+              <a:t>HBase</a:t>
+            </a:r>
+            <a:r>
+              <a:rPr lang="zh-CN" altLang="en-US" sz="2400" dirty="0" smtClean="0"/>
+              <a:t>创建更多</a:t>
+            </a:r>
+            <a:r>
+              <a:rPr lang="en-US" altLang="zh-CN" sz="2400" dirty="0" smtClean="0"/>
+              <a:t>regions</a:t>
+            </a:r>
+            <a:r>
+              <a:rPr lang="zh-CN" altLang="en-US" sz="2400" dirty="0" smtClean="0"/>
+              <a:t>。例：</a:t>
+            </a:r>
+            <a:endParaRPr lang="en-US" altLang="zh-CN" sz="2400" dirty="0" smtClean="0"/>
+          </a:p>
+          <a:p>
+            <a:pPr marL="457200" lvl="1" indent="0">
+              <a:buNone/>
+            </a:pPr>
+            <a:endParaRPr lang="en-US" altLang="zh-CN" sz="2200" dirty="0" smtClean="0"/>
+          </a:p>
+          <a:p>
+            <a:pPr marL="457200" lvl="1" indent="0">
+              <a:buNone/>
+            </a:pPr>
+            <a:r>
+              <a:rPr lang="en-US" altLang="zh-CN" sz="2200" dirty="0" err="1" smtClean="0"/>
+              <a:t>hbase</a:t>
+            </a:r>
+            <a:r>
+              <a:rPr lang="en-US" altLang="zh-CN" sz="2200" dirty="0"/>
+              <a:t>&gt; create 'cities', 'world', {NUMREGIONS =&gt; 20, SPLITALGO =&gt; '</a:t>
+            </a:r>
+            <a:r>
+              <a:rPr lang="en-US" altLang="zh-CN" sz="2200" dirty="0" err="1"/>
+              <a:t>HexStringSplit</a:t>
+            </a:r>
+            <a:r>
+              <a:rPr lang="en-US" altLang="zh-CN" sz="2200" dirty="0"/>
+              <a:t>'}</a:t>
+            </a:r>
+            <a:endParaRPr lang="zh-CN" altLang="en-US" sz="2200" dirty="0"/>
+          </a:p>
+        </p:txBody>
+      </p:sp>
+      <p:sp>
+        <p:nvSpPr>
+          <p:cNvPr id="3" name="标题 2"/>
+          <p:cNvSpPr>
+            <a:spLocks noGrp="1"/>
+          </p:cNvSpPr>
+          <p:nvPr>
+            <p:ph type="title"/>
+          </p:nvPr>
+        </p:nvSpPr>
+        <p:spPr/>
+        <p:txBody>
+          <a:bodyPr/>
+          <a:lstStyle/>
+          <a:p>
+            <a:r>
+              <a:rPr lang="en-US" altLang="zh-CN" dirty="0" smtClean="0"/>
+              <a:t>Importing Data into </a:t>
+            </a:r>
+            <a:r>
+              <a:rPr lang="en-US" altLang="zh-CN" dirty="0" err="1" smtClean="0"/>
+              <a:t>HBase</a:t>
+            </a:r>
+            <a:endParaRPr lang="zh-CN" altLang="en-US" dirty="0"/>
+          </a:p>
+        </p:txBody>
+      </p:sp>
+    </p:spTree>
+    <p:extLst>
+      <p:ext uri="{BB962C8B-B14F-4D97-AF65-F5344CB8AC3E}">
+        <p14:creationId xmlns:p14="http://schemas.microsoft.com/office/powerpoint/2010/main" val="1233164999"/>
+      </p:ext>
+    </p:extLst>
+  </p:cSld>
+  <p:clrMapOvr>
+    <a:masterClrMapping/>
+  </p:clrMapOvr>
 </p:sld>
 </file>
 
